--- a/presentations/problem_presentation.pptx
+++ b/presentations/problem_presentation.pptx
@@ -19,7 +19,6 @@
     <p:sldId id="264" r:id="rId14"/>
     <p:sldId id="265" r:id="rId15"/>
     <p:sldId id="266" r:id="rId16"/>
-    <p:sldId id="267" r:id="rId17"/>
   </p:sldIdLst>
   <p:sldSz cy="5143500" cx="9144000"/>
   <p:notesSz cx="6858000" cy="9144000"/>
@@ -716,7 +715,7 @@
       </p:grpSpPr>
       <p:sp>
         <p:nvSpPr>
-          <p:cNvPr id="51" name="Google Shape;51;g3acfa039665_0_131:notes"/>
+          <p:cNvPr id="51" name="Google Shape;51;g3adba756cf9_0_0:notes"/>
           <p:cNvSpPr/>
           <p:nvPr>
             <p:ph idx="2" type="sldImg"/>
@@ -751,7 +750,7 @@
       </p:sp>
       <p:sp>
         <p:nvSpPr>
-          <p:cNvPr id="52" name="Google Shape;52;g3acfa039665_0_131:notes"/>
+          <p:cNvPr id="52" name="Google Shape;52;g3adba756cf9_0_0:notes"/>
           <p:cNvSpPr txBox="1"/>
           <p:nvPr>
             <p:ph idx="1" type="body"/>
@@ -801,7 +800,7 @@
   <p:cSld>
     <p:spTree>
       <p:nvGrpSpPr>
-        <p:cNvPr id="131" name="Shape 131"/>
+        <p:cNvPr id="132" name="Shape 132"/>
         <p:cNvGrpSpPr/>
         <p:nvPr/>
       </p:nvGrpSpPr>
@@ -815,7 +814,7 @@
       </p:grpSpPr>
       <p:sp>
         <p:nvSpPr>
-          <p:cNvPr id="132" name="Google Shape;132;g3acfa039665_0_203:notes"/>
+          <p:cNvPr id="133" name="Google Shape;133;g3adba756cf9_0_73:notes"/>
           <p:cNvSpPr/>
           <p:nvPr>
             <p:ph idx="2" type="sldImg"/>
@@ -850,7 +849,7 @@
       </p:sp>
       <p:sp>
         <p:nvSpPr>
-          <p:cNvPr id="133" name="Google Shape;133;g3acfa039665_0_203:notes"/>
+          <p:cNvPr id="134" name="Google Shape;134;g3adba756cf9_0_73:notes"/>
           <p:cNvSpPr txBox="1"/>
           <p:nvPr>
             <p:ph idx="1" type="body"/>
@@ -900,7 +899,7 @@
   <p:cSld>
     <p:spTree>
       <p:nvGrpSpPr>
-        <p:cNvPr id="142" name="Shape 142"/>
+        <p:cNvPr id="139" name="Shape 139"/>
         <p:cNvGrpSpPr/>
         <p:nvPr/>
       </p:nvGrpSpPr>
@@ -914,7 +913,7 @@
       </p:grpSpPr>
       <p:sp>
         <p:nvSpPr>
-          <p:cNvPr id="143" name="Google Shape;143;g3acfa039665_0_213:notes"/>
+          <p:cNvPr id="140" name="Google Shape;140;g3adba756cf9_0_79:notes"/>
           <p:cNvSpPr/>
           <p:nvPr>
             <p:ph idx="2" type="sldImg"/>
@@ -949,7 +948,7 @@
       </p:sp>
       <p:sp>
         <p:nvSpPr>
-          <p:cNvPr id="144" name="Google Shape;144;g3acfa039665_0_213:notes"/>
+          <p:cNvPr id="141" name="Google Shape;141;g3adba756cf9_0_79:notes"/>
           <p:cNvSpPr txBox="1"/>
           <p:nvPr>
             <p:ph idx="1" type="body"/>
@@ -994,12 +993,12 @@
 </p:notes>
 </file>
 
-<file path=ppt/notesSlides/notesSlide12.xml><?xml version="1.0" encoding="utf-8"?>
+<file path=ppt/notesSlides/notesSlide2.xml><?xml version="1.0" encoding="utf-8"?>
 <p:notes xmlns:a="http://schemas.openxmlformats.org/drawingml/2006/main" xmlns:r="http://schemas.openxmlformats.org/officeDocument/2006/relationships" xmlns:mc="http://schemas.openxmlformats.org/markup-compatibility/2006" xmlns:mv="urn:schemas-microsoft-com:mac:vml" xmlns:p="http://schemas.openxmlformats.org/presentationml/2006/main" xmlns:c="http://schemas.openxmlformats.org/drawingml/2006/chart" xmlns:dgm="http://schemas.openxmlformats.org/drawingml/2006/diagram" xmlns:o="urn:schemas-microsoft-com:office:office" xmlns:v="urn:schemas-microsoft-com:vml" xmlns:pvml="urn:schemas-microsoft-com:office:powerpoint" xmlns:com="http://schemas.openxmlformats.org/drawingml/2006/compatibility" xmlns:p14="http://schemas.microsoft.com/office/powerpoint/2010/main" xmlns:p15="http://schemas.microsoft.com/office/powerpoint/2012/main" xmlns:ahyp="http://schemas.microsoft.com/office/drawing/2018/hyperlinkcolor" showMasterPhAnim="0" showMasterSp="0">
   <p:cSld>
     <p:spTree>
       <p:nvGrpSpPr>
-        <p:cNvPr id="149" name="Shape 149"/>
+        <p:cNvPr id="60" name="Shape 60"/>
         <p:cNvGrpSpPr/>
         <p:nvPr/>
       </p:nvGrpSpPr>
@@ -1013,7 +1012,7 @@
       </p:grpSpPr>
       <p:sp>
         <p:nvSpPr>
-          <p:cNvPr id="150" name="Google Shape;150;g3acfa039665_0_219:notes"/>
+          <p:cNvPr id="61" name="Google Shape;61;g3adba756cf9_0_9:notes"/>
           <p:cNvSpPr/>
           <p:nvPr>
             <p:ph idx="2" type="sldImg"/>
@@ -1048,7 +1047,7 @@
       </p:sp>
       <p:sp>
         <p:nvSpPr>
-          <p:cNvPr id="151" name="Google Shape;151;g3acfa039665_0_219:notes"/>
+          <p:cNvPr id="62" name="Google Shape;62;g3adba756cf9_0_9:notes"/>
           <p:cNvSpPr txBox="1"/>
           <p:nvPr>
             <p:ph idx="1" type="body"/>
@@ -1093,12 +1092,12 @@
 </p:notes>
 </file>
 
-<file path=ppt/notesSlides/notesSlide2.xml><?xml version="1.0" encoding="utf-8"?>
+<file path=ppt/notesSlides/notesSlide3.xml><?xml version="1.0" encoding="utf-8"?>
 <p:notes xmlns:a="http://schemas.openxmlformats.org/drawingml/2006/main" xmlns:r="http://schemas.openxmlformats.org/officeDocument/2006/relationships" xmlns:mc="http://schemas.openxmlformats.org/markup-compatibility/2006" xmlns:mv="urn:schemas-microsoft-com:mac:vml" xmlns:p="http://schemas.openxmlformats.org/presentationml/2006/main" xmlns:c="http://schemas.openxmlformats.org/drawingml/2006/chart" xmlns:dgm="http://schemas.openxmlformats.org/drawingml/2006/diagram" xmlns:o="urn:schemas-microsoft-com:office:office" xmlns:v="urn:schemas-microsoft-com:vml" xmlns:pvml="urn:schemas-microsoft-com:office:powerpoint" xmlns:com="http://schemas.openxmlformats.org/drawingml/2006/compatibility" xmlns:p14="http://schemas.microsoft.com/office/powerpoint/2010/main" xmlns:p15="http://schemas.microsoft.com/office/powerpoint/2012/main" xmlns:ahyp="http://schemas.microsoft.com/office/drawing/2018/hyperlinkcolor" showMasterPhAnim="0" showMasterSp="0">
   <p:cSld>
     <p:spTree>
       <p:nvGrpSpPr>
-        <p:cNvPr id="60" name="Shape 60"/>
+        <p:cNvPr id="74" name="Shape 74"/>
         <p:cNvGrpSpPr/>
         <p:nvPr/>
       </p:nvGrpSpPr>
@@ -1112,7 +1111,7 @@
       </p:grpSpPr>
       <p:sp>
         <p:nvSpPr>
-          <p:cNvPr id="61" name="Google Shape;61;g3acfa039665_0_140:notes"/>
+          <p:cNvPr id="75" name="Google Shape;75;g3adba756cf9_0_22:notes"/>
           <p:cNvSpPr/>
           <p:nvPr>
             <p:ph idx="2" type="sldImg"/>
@@ -1147,7 +1146,7 @@
       </p:sp>
       <p:sp>
         <p:nvSpPr>
-          <p:cNvPr id="62" name="Google Shape;62;g3acfa039665_0_140:notes"/>
+          <p:cNvPr id="76" name="Google Shape;76;g3adba756cf9_0_22:notes"/>
           <p:cNvSpPr txBox="1"/>
           <p:nvPr>
             <p:ph idx="1" type="body"/>
@@ -1192,12 +1191,12 @@
 </p:notes>
 </file>
 
-<file path=ppt/notesSlides/notesSlide3.xml><?xml version="1.0" encoding="utf-8"?>
+<file path=ppt/notesSlides/notesSlide4.xml><?xml version="1.0" encoding="utf-8"?>
 <p:notes xmlns:a="http://schemas.openxmlformats.org/drawingml/2006/main" xmlns:r="http://schemas.openxmlformats.org/officeDocument/2006/relationships" xmlns:mc="http://schemas.openxmlformats.org/markup-compatibility/2006" xmlns:mv="urn:schemas-microsoft-com:mac:vml" xmlns:p="http://schemas.openxmlformats.org/presentationml/2006/main" xmlns:c="http://schemas.openxmlformats.org/drawingml/2006/chart" xmlns:dgm="http://schemas.openxmlformats.org/drawingml/2006/diagram" xmlns:o="urn:schemas-microsoft-com:office:office" xmlns:v="urn:schemas-microsoft-com:vml" xmlns:pvml="urn:schemas-microsoft-com:office:powerpoint" xmlns:com="http://schemas.openxmlformats.org/drawingml/2006/compatibility" xmlns:p14="http://schemas.microsoft.com/office/powerpoint/2010/main" xmlns:p15="http://schemas.microsoft.com/office/powerpoint/2012/main" xmlns:ahyp="http://schemas.microsoft.com/office/drawing/2018/hyperlinkcolor" showMasterPhAnim="0" showMasterSp="0">
   <p:cSld>
     <p:spTree>
       <p:nvGrpSpPr>
-        <p:cNvPr id="70" name="Shape 70"/>
+        <p:cNvPr id="81" name="Shape 81"/>
         <p:cNvGrpSpPr/>
         <p:nvPr/>
       </p:nvGrpSpPr>
@@ -1211,7 +1210,7 @@
       </p:grpSpPr>
       <p:sp>
         <p:nvSpPr>
-          <p:cNvPr id="71" name="Google Shape;71;g3acfa039665_0_149:notes"/>
+          <p:cNvPr id="82" name="Google Shape;82;g3adba756cf9_0_28:notes"/>
           <p:cNvSpPr/>
           <p:nvPr>
             <p:ph idx="2" type="sldImg"/>
@@ -1246,7 +1245,7 @@
       </p:sp>
       <p:sp>
         <p:nvSpPr>
-          <p:cNvPr id="72" name="Google Shape;72;g3acfa039665_0_149:notes"/>
+          <p:cNvPr id="83" name="Google Shape;83;g3adba756cf9_0_28:notes"/>
           <p:cNvSpPr txBox="1"/>
           <p:nvPr>
             <p:ph idx="1" type="body"/>
@@ -1291,12 +1290,12 @@
 </p:notes>
 </file>
 
-<file path=ppt/notesSlides/notesSlide4.xml><?xml version="1.0" encoding="utf-8"?>
+<file path=ppt/notesSlides/notesSlide5.xml><?xml version="1.0" encoding="utf-8"?>
 <p:notes xmlns:a="http://schemas.openxmlformats.org/drawingml/2006/main" xmlns:r="http://schemas.openxmlformats.org/officeDocument/2006/relationships" xmlns:mc="http://schemas.openxmlformats.org/markup-compatibility/2006" xmlns:mv="urn:schemas-microsoft-com:mac:vml" xmlns:p="http://schemas.openxmlformats.org/presentationml/2006/main" xmlns:c="http://schemas.openxmlformats.org/drawingml/2006/chart" xmlns:dgm="http://schemas.openxmlformats.org/drawingml/2006/diagram" xmlns:o="urn:schemas-microsoft-com:office:office" xmlns:v="urn:schemas-microsoft-com:vml" xmlns:pvml="urn:schemas-microsoft-com:office:powerpoint" xmlns:com="http://schemas.openxmlformats.org/drawingml/2006/compatibility" xmlns:p14="http://schemas.microsoft.com/office/powerpoint/2010/main" xmlns:p15="http://schemas.microsoft.com/office/powerpoint/2012/main" xmlns:ahyp="http://schemas.microsoft.com/office/drawing/2018/hyperlinkcolor" showMasterPhAnim="0" showMasterSp="0">
   <p:cSld>
     <p:spTree>
       <p:nvGrpSpPr>
-        <p:cNvPr id="84" name="Shape 84"/>
+        <p:cNvPr id="89" name="Shape 89"/>
         <p:cNvGrpSpPr/>
         <p:nvPr/>
       </p:nvGrpSpPr>
@@ -1310,7 +1309,7 @@
       </p:grpSpPr>
       <p:sp>
         <p:nvSpPr>
-          <p:cNvPr id="85" name="Google Shape;85;g3acfa039665_0_162:notes"/>
+          <p:cNvPr id="90" name="Google Shape;90;g3adba756cf9_0_35:notes"/>
           <p:cNvSpPr/>
           <p:nvPr>
             <p:ph idx="2" type="sldImg"/>
@@ -1345,7 +1344,7 @@
       </p:sp>
       <p:sp>
         <p:nvSpPr>
-          <p:cNvPr id="86" name="Google Shape;86;g3acfa039665_0_162:notes"/>
+          <p:cNvPr id="91" name="Google Shape;91;g3adba756cf9_0_35:notes"/>
           <p:cNvSpPr txBox="1"/>
           <p:nvPr>
             <p:ph idx="1" type="body"/>
@@ -1390,12 +1389,12 @@
 </p:notes>
 </file>
 
-<file path=ppt/notesSlides/notesSlide5.xml><?xml version="1.0" encoding="utf-8"?>
+<file path=ppt/notesSlides/notesSlide6.xml><?xml version="1.0" encoding="utf-8"?>
 <p:notes xmlns:a="http://schemas.openxmlformats.org/drawingml/2006/main" xmlns:r="http://schemas.openxmlformats.org/officeDocument/2006/relationships" xmlns:mc="http://schemas.openxmlformats.org/markup-compatibility/2006" xmlns:mv="urn:schemas-microsoft-com:mac:vml" xmlns:p="http://schemas.openxmlformats.org/presentationml/2006/main" xmlns:c="http://schemas.openxmlformats.org/drawingml/2006/chart" xmlns:dgm="http://schemas.openxmlformats.org/drawingml/2006/diagram" xmlns:o="urn:schemas-microsoft-com:office:office" xmlns:v="urn:schemas-microsoft-com:vml" xmlns:pvml="urn:schemas-microsoft-com:office:powerpoint" xmlns:com="http://schemas.openxmlformats.org/drawingml/2006/compatibility" xmlns:p14="http://schemas.microsoft.com/office/powerpoint/2010/main" xmlns:p15="http://schemas.microsoft.com/office/powerpoint/2012/main" xmlns:ahyp="http://schemas.microsoft.com/office/drawing/2018/hyperlinkcolor" showMasterPhAnim="0" showMasterSp="0">
   <p:cSld>
     <p:spTree>
       <p:nvGrpSpPr>
-        <p:cNvPr id="91" name="Shape 91"/>
+        <p:cNvPr id="99" name="Shape 99"/>
         <p:cNvGrpSpPr/>
         <p:nvPr/>
       </p:nvGrpSpPr>
@@ -1409,7 +1408,7 @@
       </p:grpSpPr>
       <p:sp>
         <p:nvSpPr>
-          <p:cNvPr id="92" name="Google Shape;92;g3acfa039665_0_168:notes"/>
+          <p:cNvPr id="100" name="Google Shape;100;g3adba756cf9_0_44:notes"/>
           <p:cNvSpPr/>
           <p:nvPr>
             <p:ph idx="2" type="sldImg"/>
@@ -1444,7 +1443,7 @@
       </p:sp>
       <p:sp>
         <p:nvSpPr>
-          <p:cNvPr id="93" name="Google Shape;93;g3acfa039665_0_168:notes"/>
+          <p:cNvPr id="101" name="Google Shape;101;g3adba756cf9_0_44:notes"/>
           <p:cNvSpPr txBox="1"/>
           <p:nvPr>
             <p:ph idx="1" type="body"/>
@@ -1489,12 +1488,12 @@
 </p:notes>
 </file>
 
-<file path=ppt/notesSlides/notesSlide6.xml><?xml version="1.0" encoding="utf-8"?>
+<file path=ppt/notesSlides/notesSlide7.xml><?xml version="1.0" encoding="utf-8"?>
 <p:notes xmlns:a="http://schemas.openxmlformats.org/drawingml/2006/main" xmlns:r="http://schemas.openxmlformats.org/officeDocument/2006/relationships" xmlns:mc="http://schemas.openxmlformats.org/markup-compatibility/2006" xmlns:mv="urn:schemas-microsoft-com:mac:vml" xmlns:p="http://schemas.openxmlformats.org/presentationml/2006/main" xmlns:c="http://schemas.openxmlformats.org/drawingml/2006/chart" xmlns:dgm="http://schemas.openxmlformats.org/drawingml/2006/diagram" xmlns:o="urn:schemas-microsoft-com:office:office" xmlns:v="urn:schemas-microsoft-com:vml" xmlns:pvml="urn:schemas-microsoft-com:office:powerpoint" xmlns:com="http://schemas.openxmlformats.org/drawingml/2006/compatibility" xmlns:p14="http://schemas.microsoft.com/office/powerpoint/2010/main" xmlns:p15="http://schemas.microsoft.com/office/powerpoint/2012/main" xmlns:ahyp="http://schemas.microsoft.com/office/drawing/2018/hyperlinkcolor" showMasterPhAnim="0" showMasterSp="0">
   <p:cSld>
     <p:spTree>
       <p:nvGrpSpPr>
-        <p:cNvPr id="99" name="Shape 99"/>
+        <p:cNvPr id="107" name="Shape 107"/>
         <p:cNvGrpSpPr/>
         <p:nvPr/>
       </p:nvGrpSpPr>
@@ -1508,7 +1507,7 @@
       </p:grpSpPr>
       <p:sp>
         <p:nvSpPr>
-          <p:cNvPr id="100" name="Google Shape;100;g3acfa039665_0_175:notes"/>
+          <p:cNvPr id="108" name="Google Shape;108;g3adba756cf9_0_51:notes"/>
           <p:cNvSpPr/>
           <p:nvPr>
             <p:ph idx="2" type="sldImg"/>
@@ -1543,7 +1542,7 @@
       </p:sp>
       <p:sp>
         <p:nvSpPr>
-          <p:cNvPr id="101" name="Google Shape;101;g3acfa039665_0_175:notes"/>
+          <p:cNvPr id="109" name="Google Shape;109;g3adba756cf9_0_51:notes"/>
           <p:cNvSpPr txBox="1"/>
           <p:nvPr>
             <p:ph idx="1" type="body"/>
@@ -1588,12 +1587,12 @@
 </p:notes>
 </file>
 
-<file path=ppt/notesSlides/notesSlide7.xml><?xml version="1.0" encoding="utf-8"?>
+<file path=ppt/notesSlides/notesSlide8.xml><?xml version="1.0" encoding="utf-8"?>
 <p:notes xmlns:a="http://schemas.openxmlformats.org/drawingml/2006/main" xmlns:r="http://schemas.openxmlformats.org/officeDocument/2006/relationships" xmlns:mc="http://schemas.openxmlformats.org/markup-compatibility/2006" xmlns:mv="urn:schemas-microsoft-com:mac:vml" xmlns:p="http://schemas.openxmlformats.org/presentationml/2006/main" xmlns:c="http://schemas.openxmlformats.org/drawingml/2006/chart" xmlns:dgm="http://schemas.openxmlformats.org/drawingml/2006/diagram" xmlns:o="urn:schemas-microsoft-com:office:office" xmlns:v="urn:schemas-microsoft-com:vml" xmlns:pvml="urn:schemas-microsoft-com:office:powerpoint" xmlns:com="http://schemas.openxmlformats.org/drawingml/2006/compatibility" xmlns:p14="http://schemas.microsoft.com/office/powerpoint/2010/main" xmlns:p15="http://schemas.microsoft.com/office/powerpoint/2012/main" xmlns:ahyp="http://schemas.microsoft.com/office/drawing/2018/hyperlinkcolor" showMasterPhAnim="0" showMasterSp="0">
   <p:cSld>
     <p:spTree>
       <p:nvGrpSpPr>
-        <p:cNvPr id="109" name="Shape 109"/>
+        <p:cNvPr id="114" name="Shape 114"/>
         <p:cNvGrpSpPr/>
         <p:nvPr/>
       </p:nvGrpSpPr>
@@ -1607,7 +1606,7 @@
       </p:grpSpPr>
       <p:sp>
         <p:nvSpPr>
-          <p:cNvPr id="110" name="Google Shape;110;g3acfa039665_0_184:notes"/>
+          <p:cNvPr id="115" name="Google Shape;115;g3adba756cf9_0_57:notes"/>
           <p:cNvSpPr/>
           <p:nvPr>
             <p:ph idx="2" type="sldImg"/>
@@ -1642,7 +1641,7 @@
       </p:sp>
       <p:sp>
         <p:nvSpPr>
-          <p:cNvPr id="111" name="Google Shape;111;g3acfa039665_0_184:notes"/>
+          <p:cNvPr id="116" name="Google Shape;116;g3adba756cf9_0_57:notes"/>
           <p:cNvSpPr txBox="1"/>
           <p:nvPr>
             <p:ph idx="1" type="body"/>
@@ -1687,12 +1686,12 @@
 </p:notes>
 </file>
 
-<file path=ppt/notesSlides/notesSlide8.xml><?xml version="1.0" encoding="utf-8"?>
+<file path=ppt/notesSlides/notesSlide9.xml><?xml version="1.0" encoding="utf-8"?>
 <p:notes xmlns:a="http://schemas.openxmlformats.org/drawingml/2006/main" xmlns:r="http://schemas.openxmlformats.org/officeDocument/2006/relationships" xmlns:mc="http://schemas.openxmlformats.org/markup-compatibility/2006" xmlns:mv="urn:schemas-microsoft-com:mac:vml" xmlns:p="http://schemas.openxmlformats.org/presentationml/2006/main" xmlns:c="http://schemas.openxmlformats.org/drawingml/2006/chart" xmlns:dgm="http://schemas.openxmlformats.org/drawingml/2006/diagram" xmlns:o="urn:schemas-microsoft-com:office:office" xmlns:v="urn:schemas-microsoft-com:vml" xmlns:pvml="urn:schemas-microsoft-com:office:powerpoint" xmlns:com="http://schemas.openxmlformats.org/drawingml/2006/compatibility" xmlns:p14="http://schemas.microsoft.com/office/powerpoint/2010/main" xmlns:p15="http://schemas.microsoft.com/office/powerpoint/2012/main" xmlns:ahyp="http://schemas.microsoft.com/office/drawing/2018/hyperlinkcolor" showMasterPhAnim="0" showMasterSp="0">
   <p:cSld>
     <p:spTree>
       <p:nvGrpSpPr>
-        <p:cNvPr id="117" name="Shape 117"/>
+        <p:cNvPr id="121" name="Shape 121"/>
         <p:cNvGrpSpPr/>
         <p:nvPr/>
       </p:nvGrpSpPr>
@@ -1706,7 +1705,7 @@
       </p:grpSpPr>
       <p:sp>
         <p:nvSpPr>
-          <p:cNvPr id="118" name="Google Shape;118;g3acfa039665_0_191:notes"/>
+          <p:cNvPr id="122" name="Google Shape;122;g3adba756cf9_0_63:notes"/>
           <p:cNvSpPr/>
           <p:nvPr>
             <p:ph idx="2" type="sldImg"/>
@@ -1741,106 +1740,7 @@
       </p:sp>
       <p:sp>
         <p:nvSpPr>
-          <p:cNvPr id="119" name="Google Shape;119;g3acfa039665_0_191:notes"/>
-          <p:cNvSpPr txBox="1"/>
-          <p:nvPr>
-            <p:ph idx="1" type="body"/>
-          </p:nvPr>
-        </p:nvSpPr>
-        <p:spPr>
-          <a:xfrm>
-            <a:off x="685800" y="4343400"/>
-            <a:ext cx="5486400" cy="4114800"/>
-          </a:xfrm>
-          <a:prstGeom prst="rect">
-            <a:avLst/>
-          </a:prstGeom>
-        </p:spPr>
-        <p:txBody>
-          <a:bodyPr anchorCtr="0" anchor="t" bIns="91425" lIns="91425" spcFirstLastPara="1" rIns="91425" wrap="square" tIns="91425">
-            <a:noAutofit/>
-          </a:bodyPr>
-          <a:lstStyle/>
-          <a:p>
-            <a:pPr indent="0" lvl="0" marL="0" rtl="0" algn="l">
-              <a:spcBef>
-                <a:spcPts val="0"/>
-              </a:spcBef>
-              <a:spcAft>
-                <a:spcPts val="0"/>
-              </a:spcAft>
-              <a:buNone/>
-            </a:pPr>
-            <a:r>
-              <a:t/>
-            </a:r>
-            <a:endParaRPr/>
-          </a:p>
-        </p:txBody>
-      </p:sp>
-    </p:spTree>
-  </p:cSld>
-  <p:clrMapOvr>
-    <a:masterClrMapping/>
-  </p:clrMapOvr>
-</p:notes>
-</file>
-
-<file path=ppt/notesSlides/notesSlide9.xml><?xml version="1.0" encoding="utf-8"?>
-<p:notes xmlns:a="http://schemas.openxmlformats.org/drawingml/2006/main" xmlns:r="http://schemas.openxmlformats.org/officeDocument/2006/relationships" xmlns:mc="http://schemas.openxmlformats.org/markup-compatibility/2006" xmlns:mv="urn:schemas-microsoft-com:mac:vml" xmlns:p="http://schemas.openxmlformats.org/presentationml/2006/main" xmlns:c="http://schemas.openxmlformats.org/drawingml/2006/chart" xmlns:dgm="http://schemas.openxmlformats.org/drawingml/2006/diagram" xmlns:o="urn:schemas-microsoft-com:office:office" xmlns:v="urn:schemas-microsoft-com:vml" xmlns:pvml="urn:schemas-microsoft-com:office:powerpoint" xmlns:com="http://schemas.openxmlformats.org/drawingml/2006/compatibility" xmlns:p14="http://schemas.microsoft.com/office/powerpoint/2010/main" xmlns:p15="http://schemas.microsoft.com/office/powerpoint/2012/main" xmlns:ahyp="http://schemas.microsoft.com/office/drawing/2018/hyperlinkcolor" showMasterPhAnim="0" showMasterSp="0">
-  <p:cSld>
-    <p:spTree>
-      <p:nvGrpSpPr>
-        <p:cNvPr id="124" name="Shape 124"/>
-        <p:cNvGrpSpPr/>
-        <p:nvPr/>
-      </p:nvGrpSpPr>
-      <p:grpSpPr>
-        <a:xfrm>
-          <a:off x="0" y="0"/>
-          <a:ext cx="0" cy="0"/>
-          <a:chOff x="0" y="0"/>
-          <a:chExt cx="0" cy="0"/>
-        </a:xfrm>
-      </p:grpSpPr>
-      <p:sp>
-        <p:nvSpPr>
-          <p:cNvPr id="125" name="Google Shape;125;g3acfa039665_0_197:notes"/>
-          <p:cNvSpPr/>
-          <p:nvPr>
-            <p:ph idx="2" type="sldImg"/>
-          </p:nvPr>
-        </p:nvSpPr>
-        <p:spPr>
-          <a:xfrm>
-            <a:off x="381300" y="685800"/>
-            <a:ext cx="6096000" cy="3429000"/>
-          </a:xfrm>
-          <a:custGeom>
-            <a:rect b="b" l="l" r="r" t="t"/>
-            <a:pathLst>
-              <a:path extrusionOk="0" h="120000" w="120000">
-                <a:moveTo>
-                  <a:pt x="0" y="0"/>
-                </a:moveTo>
-                <a:lnTo>
-                  <a:pt x="120000" y="0"/>
-                </a:lnTo>
-                <a:lnTo>
-                  <a:pt x="120000" y="120000"/>
-                </a:lnTo>
-                <a:lnTo>
-                  <a:pt x="0" y="120000"/>
-                </a:lnTo>
-                <a:close/>
-              </a:path>
-            </a:pathLst>
-          </a:custGeom>
-        </p:spPr>
-      </p:sp>
-      <p:sp>
-        <p:nvSpPr>
-          <p:cNvPr id="126" name="Google Shape;126;g3acfa039665_0_197:notes"/>
+          <p:cNvPr id="123" name="Google Shape;123;g3adba756cf9_0_63:notes"/>
           <p:cNvSpPr txBox="1"/>
           <p:nvPr>
             <p:ph idx="1" type="body"/>
@@ -6567,35 +6467,8 @@
         </p:blipFill>
         <p:spPr>
           <a:xfrm>
-            <a:off x="6153124" y="2286388"/>
-            <a:ext cx="2649169" cy="1993500"/>
-          </a:xfrm>
-          <a:prstGeom prst="rect">
-            <a:avLst/>
-          </a:prstGeom>
-          <a:noFill/>
-          <a:ln>
-            <a:noFill/>
-          </a:ln>
-        </p:spPr>
-      </p:pic>
-      <p:pic>
-        <p:nvPicPr>
-          <p:cNvPr id="55" name="Google Shape;55;p13"/>
-          <p:cNvPicPr preferRelativeResize="0"/>
-          <p:nvPr/>
-        </p:nvPicPr>
-        <p:blipFill rotWithShape="1">
-          <a:blip r:embed="rId4">
-            <a:alphaModFix/>
-          </a:blip>
-          <a:srcRect b="9099" l="0" r="0" t="0"/>
-          <a:stretch/>
-        </p:blipFill>
-        <p:spPr>
-          <a:xfrm>
-            <a:off x="1949175" y="2143950"/>
-            <a:ext cx="1561500" cy="2278373"/>
+            <a:off x="159700" y="903988"/>
+            <a:ext cx="6464703" cy="3820974"/>
           </a:xfrm>
           <a:prstGeom prst="rect">
             <a:avLst/>
@@ -6608,129 +6481,14 @@
       </p:pic>
       <p:sp>
         <p:nvSpPr>
-          <p:cNvPr id="56" name="Google Shape;56;p13"/>
+          <p:cNvPr id="55" name="Google Shape;55;p13"/>
           <p:cNvSpPr txBox="1"/>
-          <p:nvPr>
-            <p:ph type="ctrTitle"/>
-          </p:nvPr>
+          <p:nvPr/>
         </p:nvSpPr>
         <p:spPr>
           <a:xfrm>
-            <a:off x="311708" y="0"/>
-            <a:ext cx="8520600" cy="2052600"/>
-          </a:xfrm>
-          <a:prstGeom prst="rect">
-            <a:avLst/>
-          </a:prstGeom>
-          <a:effectLst>
-            <a:outerShdw blurRad="57150" rotWithShape="0" algn="bl" dir="5400000" dist="19050">
-              <a:srgbClr val="000000">
-                <a:alpha val="50000"/>
-              </a:srgbClr>
-            </a:outerShdw>
-          </a:effectLst>
-        </p:spPr>
-        <p:txBody>
-          <a:bodyPr anchorCtr="0" anchor="b" bIns="91425" lIns="91425" spcFirstLastPara="1" rIns="91425" wrap="square" tIns="91425">
-            <a:normAutofit fontScale="90000"/>
-          </a:bodyPr>
-          <a:lstStyle/>
-          <a:p>
-            <a:pPr indent="0" lvl="0" marL="0" rtl="0" algn="ctr">
-              <a:spcBef>
-                <a:spcPts val="0"/>
-              </a:spcBef>
-              <a:spcAft>
-                <a:spcPts val="0"/>
-              </a:spcAft>
-              <a:buNone/>
-            </a:pPr>
-            <a:r>
-              <a:rPr lang="en"/>
-              <a:t>The uhh…. Traveling Sales</a:t>
-            </a:r>
-            <a:r>
-              <a:rPr lang="en" strike="sngStrike">
-                <a:solidFill>
-                  <a:schemeClr val="dk2"/>
-                </a:solidFill>
-              </a:rPr>
-              <a:t>man</a:t>
-            </a:r>
-            <a:r>
-              <a:rPr lang="en"/>
-              <a:t>person Problem???</a:t>
-            </a:r>
-            <a:endParaRPr/>
-          </a:p>
-        </p:txBody>
-      </p:sp>
-      <p:sp>
-        <p:nvSpPr>
-          <p:cNvPr id="57" name="Google Shape;57;p13"/>
-          <p:cNvSpPr txBox="1"/>
-          <p:nvPr>
-            <p:ph idx="1" type="subTitle"/>
-          </p:nvPr>
-        </p:nvSpPr>
-        <p:spPr>
-          <a:xfrm>
-            <a:off x="496500" y="4350900"/>
-            <a:ext cx="8520600" cy="792600"/>
-          </a:xfrm>
-          <a:prstGeom prst="rect">
-            <a:avLst/>
-          </a:prstGeom>
-        </p:spPr>
-        <p:txBody>
-          <a:bodyPr anchorCtr="0" anchor="t" bIns="91425" lIns="91425" spcFirstLastPara="1" rIns="91425" wrap="square" tIns="91425">
-            <a:normAutofit/>
-          </a:bodyPr>
-          <a:lstStyle/>
-          <a:p>
-            <a:pPr indent="0" lvl="0" marL="0" rtl="0" algn="ctr">
-              <a:spcBef>
-                <a:spcPts val="0"/>
-              </a:spcBef>
-              <a:spcAft>
-                <a:spcPts val="0"/>
-              </a:spcAft>
-              <a:buNone/>
-            </a:pPr>
-            <a:r>
-              <a:rPr lang="en">
-                <a:solidFill>
-                  <a:schemeClr val="dk1"/>
-                </a:solidFill>
-              </a:rPr>
-              <a:t>John Henry Adams, Dylan Dao, Harry Williams</a:t>
-            </a:r>
-            <a:endParaRPr>
-              <a:solidFill>
-                <a:schemeClr val="dk1"/>
-              </a:solidFill>
-            </a:endParaRPr>
-          </a:p>
-        </p:txBody>
-      </p:sp>
-      <p:pic>
-        <p:nvPicPr>
-          <p:cNvPr id="58" name="Google Shape;58;p13" title="istockphoto-186868275-612x612.jpg"/>
-          <p:cNvPicPr preferRelativeResize="0"/>
-          <p:nvPr/>
-        </p:nvPicPr>
-        <p:blipFill>
-          <a:blip r:embed="rId5">
-            <a:alphaModFix/>
-          </a:blip>
-          <a:stretch>
-            <a:fillRect/>
-          </a:stretch>
-        </p:blipFill>
-        <p:spPr>
-          <a:xfrm>
-            <a:off x="341700" y="2440575"/>
-            <a:ext cx="1876325" cy="1789525"/>
+            <a:off x="6655400" y="1322125"/>
+            <a:ext cx="2215500" cy="738900"/>
           </a:xfrm>
           <a:prstGeom prst="rect">
             <a:avLst/>
@@ -6740,25 +6498,51 @@
             <a:noFill/>
           </a:ln>
         </p:spPr>
-      </p:pic>
-      <p:pic>
-        <p:nvPicPr>
-          <p:cNvPr id="59" name="Google Shape;59;p13"/>
-          <p:cNvPicPr preferRelativeResize="0"/>
+        <p:txBody>
+          <a:bodyPr anchorCtr="0" anchor="t" bIns="91425" lIns="91425" spcFirstLastPara="1" rIns="91425" wrap="square" tIns="91425">
+            <a:spAutoFit/>
+          </a:bodyPr>
+          <a:lstStyle/>
+          <a:p>
+            <a:pPr indent="-342900" lvl="0" marL="457200" rtl="0" algn="l">
+              <a:spcBef>
+                <a:spcPts val="0"/>
+              </a:spcBef>
+              <a:spcAft>
+                <a:spcPts val="0"/>
+              </a:spcAft>
+              <a:buClr>
+                <a:schemeClr val="dk1"/>
+              </a:buClr>
+              <a:buSzPts val="1800"/>
+              <a:buChar char="●"/>
+            </a:pPr>
+            <a:r>
+              <a:rPr lang="en" sz="1800">
+                <a:solidFill>
+                  <a:schemeClr val="dk1"/>
+                </a:solidFill>
+              </a:rPr>
+              <a:t>Complete, weighted graph</a:t>
+            </a:r>
+            <a:endParaRPr sz="1800">
+              <a:solidFill>
+                <a:schemeClr val="dk1"/>
+              </a:solidFill>
+            </a:endParaRPr>
+          </a:p>
+        </p:txBody>
+      </p:sp>
+      <p:sp>
+        <p:nvSpPr>
+          <p:cNvPr id="56" name="Google Shape;56;p13"/>
+          <p:cNvSpPr txBox="1"/>
           <p:nvPr/>
-        </p:nvPicPr>
-        <p:blipFill>
-          <a:blip r:embed="rId6">
-            <a:alphaModFix/>
-          </a:blip>
-          <a:stretch>
-            <a:fillRect/>
-          </a:stretch>
-        </p:blipFill>
+        </p:nvSpPr>
         <p:spPr>
           <a:xfrm>
-            <a:off x="3293277" y="2420277"/>
-            <a:ext cx="2684298" cy="1789525"/>
+            <a:off x="6648925" y="2208675"/>
+            <a:ext cx="2399100" cy="1015800"/>
           </a:xfrm>
           <a:prstGeom prst="rect">
             <a:avLst/>
@@ -6768,87 +6552,213 @@
             <a:noFill/>
           </a:ln>
         </p:spPr>
-      </p:pic>
+        <p:txBody>
+          <a:bodyPr anchorCtr="0" anchor="t" bIns="91425" lIns="91425" spcFirstLastPara="1" rIns="91425" wrap="square" tIns="91425">
+            <a:spAutoFit/>
+          </a:bodyPr>
+          <a:lstStyle/>
+          <a:p>
+            <a:pPr indent="-342900" lvl="0" marL="457200" rtl="0" algn="l">
+              <a:spcBef>
+                <a:spcPts val="0"/>
+              </a:spcBef>
+              <a:spcAft>
+                <a:spcPts val="0"/>
+              </a:spcAft>
+              <a:buClr>
+                <a:schemeClr val="dk1"/>
+              </a:buClr>
+              <a:buSzPts val="1800"/>
+              <a:buChar char="●"/>
+            </a:pPr>
+            <a:r>
+              <a:rPr lang="en" sz="1800">
+                <a:solidFill>
+                  <a:schemeClr val="dk1"/>
+                </a:solidFill>
+              </a:rPr>
+              <a:t>Visit every vertex once, except start</a:t>
+            </a:r>
+            <a:endParaRPr sz="1800">
+              <a:solidFill>
+                <a:schemeClr val="dk1"/>
+              </a:solidFill>
+            </a:endParaRPr>
+          </a:p>
+        </p:txBody>
+      </p:sp>
+      <p:sp>
+        <p:nvSpPr>
+          <p:cNvPr id="57" name="Google Shape;57;p13"/>
+          <p:cNvSpPr txBox="1"/>
+          <p:nvPr/>
+        </p:nvSpPr>
+        <p:spPr>
+          <a:xfrm>
+            <a:off x="6648925" y="3280300"/>
+            <a:ext cx="2399100" cy="738900"/>
+          </a:xfrm>
+          <a:prstGeom prst="rect">
+            <a:avLst/>
+          </a:prstGeom>
+          <a:noFill/>
+          <a:ln>
+            <a:noFill/>
+          </a:ln>
+        </p:spPr>
+        <p:txBody>
+          <a:bodyPr anchorCtr="0" anchor="t" bIns="91425" lIns="91425" spcFirstLastPara="1" rIns="91425" wrap="square" tIns="91425">
+            <a:spAutoFit/>
+          </a:bodyPr>
+          <a:lstStyle/>
+          <a:p>
+            <a:pPr indent="-342900" lvl="0" marL="457200" rtl="0" algn="l">
+              <a:spcBef>
+                <a:spcPts val="0"/>
+              </a:spcBef>
+              <a:spcAft>
+                <a:spcPts val="0"/>
+              </a:spcAft>
+              <a:buClr>
+                <a:schemeClr val="dk1"/>
+              </a:buClr>
+              <a:buSzPts val="1800"/>
+              <a:buChar char="●"/>
+            </a:pPr>
+            <a:r>
+              <a:rPr lang="en" sz="1800">
+                <a:solidFill>
+                  <a:schemeClr val="dk1"/>
+                </a:solidFill>
+              </a:rPr>
+              <a:t>Find least cost path</a:t>
+            </a:r>
+            <a:endParaRPr sz="1800">
+              <a:solidFill>
+                <a:schemeClr val="dk1"/>
+              </a:solidFill>
+            </a:endParaRPr>
+          </a:p>
+        </p:txBody>
+      </p:sp>
+      <p:sp>
+        <p:nvSpPr>
+          <p:cNvPr id="58" name="Google Shape;58;p13"/>
+          <p:cNvSpPr txBox="1"/>
+          <p:nvPr/>
+        </p:nvSpPr>
+        <p:spPr>
+          <a:xfrm>
+            <a:off x="6883500" y="860425"/>
+            <a:ext cx="2018700" cy="461700"/>
+          </a:xfrm>
+          <a:prstGeom prst="rect">
+            <a:avLst/>
+          </a:prstGeom>
+          <a:noFill/>
+          <a:ln>
+            <a:noFill/>
+          </a:ln>
+        </p:spPr>
+        <p:txBody>
+          <a:bodyPr anchorCtr="0" anchor="t" bIns="91425" lIns="91425" spcFirstLastPara="1" rIns="91425" wrap="square" tIns="91425">
+            <a:spAutoFit/>
+          </a:bodyPr>
+          <a:lstStyle/>
+          <a:p>
+            <a:pPr indent="0" lvl="0" marL="0" rtl="0" algn="l">
+              <a:spcBef>
+                <a:spcPts val="0"/>
+              </a:spcBef>
+              <a:spcAft>
+                <a:spcPts val="0"/>
+              </a:spcAft>
+              <a:buNone/>
+            </a:pPr>
+            <a:r>
+              <a:rPr b="1" lang="en" sz="1800">
+                <a:solidFill>
+                  <a:schemeClr val="dk1"/>
+                </a:solidFill>
+              </a:rPr>
+              <a:t>Optimal:</a:t>
+            </a:r>
+            <a:endParaRPr b="1" sz="1800">
+              <a:solidFill>
+                <a:schemeClr val="dk1"/>
+              </a:solidFill>
+            </a:endParaRPr>
+          </a:p>
+        </p:txBody>
+      </p:sp>
+      <p:sp>
+        <p:nvSpPr>
+          <p:cNvPr id="59" name="Google Shape;59;p13"/>
+          <p:cNvSpPr txBox="1"/>
+          <p:nvPr>
+            <p:ph type="title"/>
+          </p:nvPr>
+        </p:nvSpPr>
+        <p:spPr>
+          <a:xfrm>
+            <a:off x="0" y="0"/>
+            <a:ext cx="9144000" cy="572700"/>
+          </a:xfrm>
+          <a:prstGeom prst="rect">
+            <a:avLst/>
+          </a:prstGeom>
+          <a:solidFill>
+            <a:srgbClr val="D9D9D9"/>
+          </a:solidFill>
+        </p:spPr>
+        <p:txBody>
+          <a:bodyPr anchorCtr="0" anchor="t" bIns="91425" lIns="91425" spcFirstLastPara="1" rIns="91425" wrap="square" tIns="91425">
+            <a:normAutofit fontScale="90000"/>
+          </a:bodyPr>
+          <a:lstStyle/>
+          <a:p>
+            <a:pPr indent="0" lvl="0" marL="0" rtl="0" algn="l">
+              <a:spcBef>
+                <a:spcPts val="0"/>
+              </a:spcBef>
+              <a:spcAft>
+                <a:spcPts val="0"/>
+              </a:spcAft>
+              <a:buClr>
+                <a:schemeClr val="dk1"/>
+              </a:buClr>
+              <a:buSzPct val="39285"/>
+              <a:buFont typeface="Arial"/>
+              <a:buNone/>
+            </a:pPr>
+            <a:r>
+              <a:rPr lang="en"/>
+              <a:t>What is the Traveling Salesman Problem?</a:t>
+            </a:r>
+            <a:endParaRPr/>
+          </a:p>
+          <a:p>
+            <a:pPr indent="0" lvl="0" marL="0" rtl="0" algn="ctr">
+              <a:spcBef>
+                <a:spcPts val="0"/>
+              </a:spcBef>
+              <a:spcAft>
+                <a:spcPts val="0"/>
+              </a:spcAft>
+              <a:buNone/>
+            </a:pPr>
+            <a:r>
+              <a:t/>
+            </a:r>
+            <a:endParaRPr/>
+          </a:p>
+        </p:txBody>
+      </p:sp>
     </p:spTree>
   </p:cSld>
   <p:clrMapOvr>
     <a:masterClrMapping/>
   </p:clrMapOvr>
-  <p:timing>
-    <p:tnLst>
-      <p:par>
-        <p:cTn dur="indefinite" nodeType="tmRoot" restart="never">
-          <p:childTnLst>
-            <p:seq concurrent="1" nextAc="seek">
-              <p:cTn dur="indefinite" id="2" nodeType="mainSeq">
-                <p:childTnLst>
-                  <p:par>
-                    <p:cTn fill="hold">
-                      <p:stCondLst>
-                        <p:cond delay="indefinite"/>
-                      </p:stCondLst>
-                      <p:childTnLst>
-                        <p:par>
-                          <p:cTn fill="hold">
-                            <p:stCondLst>
-                              <p:cond delay="0"/>
-                            </p:stCondLst>
-                            <p:childTnLst>
-                              <p:par>
-                                <p:cTn fill="hold" nodeType="clickEffect" presetClass="entr" presetID="1" presetSubtype="0">
-                                  <p:stCondLst>
-                                    <p:cond delay="0"/>
-                                  </p:stCondLst>
-                                  <p:childTnLst>
-                                    <p:set>
-                                      <p:cBhvr>
-                                        <p:cTn dur="1" fill="hold">
-                                          <p:stCondLst>
-                                            <p:cond delay="0"/>
-                                          </p:stCondLst>
-                                        </p:cTn>
-                                        <p:tgtEl>
-                                          <p:spTgt spid="56"/>
-                                        </p:tgtEl>
-                                        <p:attrNameLst>
-                                          <p:attrName>style.visibility</p:attrName>
-                                        </p:attrNameLst>
-                                      </p:cBhvr>
-                                      <p:to>
-                                        <p:strVal val="visible"/>
-                                      </p:to>
-                                    </p:set>
-                                  </p:childTnLst>
-                                </p:cTn>
-                              </p:par>
-                            </p:childTnLst>
-                          </p:cTn>
-                        </p:par>
-                      </p:childTnLst>
-                    </p:cTn>
-                  </p:par>
-                </p:childTnLst>
-              </p:cTn>
-              <p:prevCondLst>
-                <p:cond evt="onPrev">
-                  <p:tgtEl>
-                    <p:sldTgt/>
-                  </p:tgtEl>
-                </p:cond>
-              </p:prevCondLst>
-              <p:nextCondLst>
-                <p:cond evt="onNext">
-                  <p:tgtEl>
-                    <p:sldTgt/>
-                  </p:tgtEl>
-                </p:cond>
-              </p:nextCondLst>
-            </p:seq>
-          </p:childTnLst>
-        </p:cTn>
-      </p:par>
-    </p:tnLst>
-  </p:timing>
 </p:sld>
 </file>
 
@@ -6857,7 +6767,7 @@
   <p:cSld>
     <p:spTree>
       <p:nvGrpSpPr>
-        <p:cNvPr id="134" name="Shape 134"/>
+        <p:cNvPr id="135" name="Shape 135"/>
         <p:cNvGrpSpPr/>
         <p:nvPr/>
       </p:nvGrpSpPr>
@@ -6869,34 +6779,6 @@
           <a:chExt cx="0" cy="0"/>
         </a:xfrm>
       </p:grpSpPr>
-      <p:pic>
-        <p:nvPicPr>
-          <p:cNvPr id="135" name="Google Shape;135;p22"/>
-          <p:cNvPicPr preferRelativeResize="0"/>
-          <p:nvPr/>
-        </p:nvPicPr>
-        <p:blipFill>
-          <a:blip r:embed="rId3">
-            <a:alphaModFix/>
-          </a:blip>
-          <a:stretch>
-            <a:fillRect/>
-          </a:stretch>
-        </p:blipFill>
-        <p:spPr>
-          <a:xfrm flipH="1">
-            <a:off x="5704225" y="86328"/>
-            <a:ext cx="4297125" cy="4297151"/>
-          </a:xfrm>
-          <a:prstGeom prst="rect">
-            <a:avLst/>
-          </a:prstGeom>
-          <a:noFill/>
-          <a:ln>
-            <a:noFill/>
-          </a:ln>
-        </p:spPr>
-      </p:pic>
       <p:sp>
         <p:nvSpPr>
           <p:cNvPr id="136" name="Google Shape;136;p22"/>
@@ -6934,698 +6816,6 @@
             </a:pPr>
             <a:r>
               <a:rPr lang="en"/>
-              <a:t>Analytical Runtime</a:t>
-            </a:r>
-            <a:endParaRPr/>
-          </a:p>
-        </p:txBody>
-      </p:sp>
-      <p:sp>
-        <p:nvSpPr>
-          <p:cNvPr id="137" name="Google Shape;137;p22"/>
-          <p:cNvSpPr txBox="1"/>
-          <p:nvPr/>
-        </p:nvSpPr>
-        <p:spPr>
-          <a:xfrm>
-            <a:off x="311700" y="1135850"/>
-            <a:ext cx="4659000" cy="714300"/>
-          </a:xfrm>
-          <a:prstGeom prst="rect">
-            <a:avLst/>
-          </a:prstGeom>
-          <a:noFill/>
-          <a:ln>
-            <a:noFill/>
-          </a:ln>
-        </p:spPr>
-        <p:txBody>
-          <a:bodyPr anchorCtr="0" anchor="t" bIns="91425" lIns="91425" spcFirstLastPara="1" rIns="91425" wrap="square" tIns="91425">
-            <a:spAutoFit/>
-          </a:bodyPr>
-          <a:lstStyle/>
-          <a:p>
-            <a:pPr indent="-330200" lvl="0" marL="457200" rtl="0" algn="l">
-              <a:lnSpc>
-                <a:spcPct val="115000"/>
-              </a:lnSpc>
-              <a:spcBef>
-                <a:spcPts val="1200"/>
-              </a:spcBef>
-              <a:spcAft>
-                <a:spcPts val="0"/>
-              </a:spcAft>
-              <a:buClr>
-                <a:schemeClr val="dk1"/>
-              </a:buClr>
-              <a:buSzPts val="1600"/>
-              <a:buChar char="●"/>
-            </a:pPr>
-            <a:r>
-              <a:rPr lang="en" sz="1600">
-                <a:solidFill>
-                  <a:schemeClr val="dk1"/>
-                </a:solidFill>
-              </a:rPr>
-              <a:t>Using a brute-force algorithm for TSP, every possible tour of the cities is examined:</a:t>
-            </a:r>
-            <a:endParaRPr sz="1800">
-              <a:solidFill>
-                <a:schemeClr val="dk2"/>
-              </a:solidFill>
-            </a:endParaRPr>
-          </a:p>
-        </p:txBody>
-      </p:sp>
-      <p:sp>
-        <p:nvSpPr>
-          <p:cNvPr id="138" name="Google Shape;138;p22"/>
-          <p:cNvSpPr txBox="1"/>
-          <p:nvPr/>
-        </p:nvSpPr>
-        <p:spPr>
-          <a:xfrm>
-            <a:off x="264300" y="2507750"/>
-            <a:ext cx="8615400" cy="572700"/>
-          </a:xfrm>
-          <a:prstGeom prst="rect">
-            <a:avLst/>
-          </a:prstGeom>
-          <a:noFill/>
-          <a:ln>
-            <a:noFill/>
-          </a:ln>
-        </p:spPr>
-        <p:txBody>
-          <a:bodyPr anchorCtr="0" anchor="t" bIns="91425" lIns="91425" spcFirstLastPara="1" rIns="91425" wrap="square" tIns="91425">
-            <a:noAutofit/>
-          </a:bodyPr>
-          <a:lstStyle/>
-          <a:p>
-            <a:pPr indent="0" lvl="0" marL="0" rtl="0" algn="l">
-              <a:spcBef>
-                <a:spcPts val="0"/>
-              </a:spcBef>
-              <a:spcAft>
-                <a:spcPts val="0"/>
-              </a:spcAft>
-              <a:buClr>
-                <a:schemeClr val="dk1"/>
-              </a:buClr>
-              <a:buSzPts val="1100"/>
-              <a:buFont typeface="Arial"/>
-              <a:buNone/>
-            </a:pPr>
-            <a:r>
-              <a:rPr lang="en" sz="1900">
-                <a:solidFill>
-                  <a:srgbClr val="FF0000"/>
-                </a:solidFill>
-              </a:rPr>
-              <a:t>for</a:t>
-            </a:r>
-            <a:r>
-              <a:rPr lang="en" sz="1900">
-                <a:solidFill>
-                  <a:schemeClr val="dk1"/>
-                </a:solidFill>
-              </a:rPr>
-              <a:t> </a:t>
-            </a:r>
-            <a:r>
-              <a:rPr lang="en" sz="1900">
-                <a:solidFill>
-                  <a:schemeClr val="dk2"/>
-                </a:solidFill>
-              </a:rPr>
-              <a:t>perm</a:t>
-            </a:r>
-            <a:r>
-              <a:rPr lang="en" sz="1900">
-                <a:solidFill>
-                  <a:schemeClr val="dk1"/>
-                </a:solidFill>
-              </a:rPr>
-              <a:t> </a:t>
-            </a:r>
-            <a:r>
-              <a:rPr lang="en" sz="1900">
-                <a:solidFill>
-                  <a:srgbClr val="FF0000"/>
-                </a:solidFill>
-              </a:rPr>
-              <a:t>in</a:t>
-            </a:r>
-            <a:r>
-              <a:rPr lang="en" sz="1900">
-                <a:solidFill>
-                  <a:schemeClr val="dk1"/>
-                </a:solidFill>
-              </a:rPr>
-              <a:t> </a:t>
-            </a:r>
-            <a:r>
-              <a:rPr lang="en" sz="1900">
-                <a:solidFill>
-                  <a:srgbClr val="666666"/>
-                </a:solidFill>
-              </a:rPr>
-              <a:t>itertools.permutations(</a:t>
-            </a:r>
-            <a:r>
-              <a:rPr lang="en" sz="1900">
-                <a:solidFill>
-                  <a:srgbClr val="188038"/>
-                </a:solidFill>
-              </a:rPr>
-              <a:t>range</a:t>
-            </a:r>
-            <a:r>
-              <a:rPr lang="en" sz="1900">
-                <a:solidFill>
-                  <a:srgbClr val="666666"/>
-                </a:solidFill>
-              </a:rPr>
-              <a:t>(</a:t>
-            </a:r>
-            <a:r>
-              <a:rPr lang="en" sz="1900">
-                <a:solidFill>
-                  <a:srgbClr val="FF00FF"/>
-                </a:solidFill>
-              </a:rPr>
-              <a:t>1</a:t>
-            </a:r>
-            <a:r>
-              <a:rPr lang="en" sz="1900">
-                <a:solidFill>
-                  <a:srgbClr val="666666"/>
-                </a:solidFill>
-              </a:rPr>
-              <a:t>, n)) </a:t>
-            </a:r>
-            <a:r>
-              <a:rPr lang="en" sz="1900">
-                <a:solidFill>
-                  <a:schemeClr val="dk1"/>
-                </a:solidFill>
-              </a:rPr>
-              <a:t>producing</a:t>
-            </a:r>
-            <a:r>
-              <a:rPr lang="en" sz="1900">
-                <a:solidFill>
-                  <a:srgbClr val="666666"/>
-                </a:solidFill>
-              </a:rPr>
-              <a:t> (n - 1)! </a:t>
-            </a:r>
-            <a:r>
-              <a:rPr lang="en" sz="1900">
-                <a:solidFill>
-                  <a:schemeClr val="dk1"/>
-                </a:solidFill>
-              </a:rPr>
-              <a:t>tours</a:t>
-            </a:r>
-            <a:endParaRPr sz="1900">
-              <a:solidFill>
-                <a:schemeClr val="dk1"/>
-              </a:solidFill>
-            </a:endParaRPr>
-          </a:p>
-          <a:p>
-            <a:pPr indent="0" lvl="0" marL="0" rtl="0" algn="l">
-              <a:spcBef>
-                <a:spcPts val="0"/>
-              </a:spcBef>
-              <a:spcAft>
-                <a:spcPts val="0"/>
-              </a:spcAft>
-              <a:buClr>
-                <a:schemeClr val="dk1"/>
-              </a:buClr>
-              <a:buSzPts val="1100"/>
-              <a:buFont typeface="Arial"/>
-              <a:buNone/>
-            </a:pPr>
-            <a:r>
-              <a:t/>
-            </a:r>
-            <a:endParaRPr sz="2100">
-              <a:solidFill>
-                <a:schemeClr val="dk2"/>
-              </a:solidFill>
-            </a:endParaRPr>
-          </a:p>
-          <a:p>
-            <a:pPr indent="0" lvl="0" marL="0" rtl="0" algn="l">
-              <a:spcBef>
-                <a:spcPts val="0"/>
-              </a:spcBef>
-              <a:spcAft>
-                <a:spcPts val="0"/>
-              </a:spcAft>
-              <a:buNone/>
-            </a:pPr>
-            <a:r>
-              <a:t/>
-            </a:r>
-            <a:endParaRPr sz="2100">
-              <a:solidFill>
-                <a:schemeClr val="dk2"/>
-              </a:solidFill>
-            </a:endParaRPr>
-          </a:p>
-        </p:txBody>
-      </p:sp>
-      <p:sp>
-        <p:nvSpPr>
-          <p:cNvPr id="139" name="Google Shape;139;p22"/>
-          <p:cNvSpPr txBox="1"/>
-          <p:nvPr/>
-        </p:nvSpPr>
-        <p:spPr>
-          <a:xfrm>
-            <a:off x="280350" y="3355150"/>
-            <a:ext cx="8583300" cy="572700"/>
-          </a:xfrm>
-          <a:prstGeom prst="rect">
-            <a:avLst/>
-          </a:prstGeom>
-          <a:noFill/>
-          <a:ln>
-            <a:noFill/>
-          </a:ln>
-        </p:spPr>
-        <p:txBody>
-          <a:bodyPr anchorCtr="0" anchor="t" bIns="91425" lIns="91425" spcFirstLastPara="1" rIns="91425" wrap="square" tIns="91425">
-            <a:noAutofit/>
-          </a:bodyPr>
-          <a:lstStyle/>
-          <a:p>
-            <a:pPr indent="0" lvl="0" marL="0" rtl="0" algn="l">
-              <a:spcBef>
-                <a:spcPts val="0"/>
-              </a:spcBef>
-              <a:spcAft>
-                <a:spcPts val="0"/>
-              </a:spcAft>
-              <a:buNone/>
-            </a:pPr>
-            <a:r>
-              <a:rPr lang="en" sz="1900">
-                <a:solidFill>
-                  <a:schemeClr val="dk1"/>
-                </a:solidFill>
-              </a:rPr>
-              <a:t>cost = </a:t>
-            </a:r>
-            <a:r>
-              <a:rPr lang="en" sz="1900">
-                <a:solidFill>
-                  <a:srgbClr val="188038"/>
-                </a:solidFill>
-              </a:rPr>
-              <a:t>sum</a:t>
-            </a:r>
-            <a:r>
-              <a:rPr lang="en" sz="1900">
-                <a:solidFill>
-                  <a:srgbClr val="666666"/>
-                </a:solidFill>
-              </a:rPr>
-              <a:t>(dist[tour[i]][tour[i +</a:t>
-            </a:r>
-            <a:r>
-              <a:rPr lang="en" sz="1900">
-                <a:solidFill>
-                  <a:schemeClr val="dk1"/>
-                </a:solidFill>
-              </a:rPr>
-              <a:t> </a:t>
-            </a:r>
-            <a:r>
-              <a:rPr lang="en" sz="1900">
-                <a:solidFill>
-                  <a:srgbClr val="FF00FF"/>
-                </a:solidFill>
-              </a:rPr>
-              <a:t>1</a:t>
-            </a:r>
-            <a:r>
-              <a:rPr lang="en" sz="1900">
-                <a:solidFill>
-                  <a:srgbClr val="666666"/>
-                </a:solidFill>
-              </a:rPr>
-              <a:t>]</a:t>
-            </a:r>
-            <a:r>
-              <a:rPr lang="en" sz="1900">
-                <a:solidFill>
-                  <a:schemeClr val="dk1"/>
-                </a:solidFill>
-              </a:rPr>
-              <a:t> </a:t>
-            </a:r>
-            <a:r>
-              <a:rPr lang="en" sz="1900">
-                <a:solidFill>
-                  <a:srgbClr val="FF0000"/>
-                </a:solidFill>
-              </a:rPr>
-              <a:t>for</a:t>
-            </a:r>
-            <a:r>
-              <a:rPr lang="en" sz="1900">
-                <a:solidFill>
-                  <a:schemeClr val="dk1"/>
-                </a:solidFill>
-              </a:rPr>
-              <a:t> </a:t>
-            </a:r>
-            <a:r>
-              <a:rPr lang="en" sz="1900">
-                <a:solidFill>
-                  <a:srgbClr val="666666"/>
-                </a:solidFill>
-              </a:rPr>
-              <a:t>i</a:t>
-            </a:r>
-            <a:r>
-              <a:rPr lang="en" sz="1900">
-                <a:solidFill>
-                  <a:schemeClr val="dk1"/>
-                </a:solidFill>
-              </a:rPr>
-              <a:t> </a:t>
-            </a:r>
-            <a:r>
-              <a:rPr lang="en" sz="1900">
-                <a:solidFill>
-                  <a:srgbClr val="FF0000"/>
-                </a:solidFill>
-              </a:rPr>
-              <a:t>in</a:t>
-            </a:r>
-            <a:r>
-              <a:rPr lang="en" sz="1900">
-                <a:solidFill>
-                  <a:schemeClr val="dk1"/>
-                </a:solidFill>
-              </a:rPr>
-              <a:t> </a:t>
-            </a:r>
-            <a:r>
-              <a:rPr lang="en" sz="1900">
-                <a:solidFill>
-                  <a:srgbClr val="188038"/>
-                </a:solidFill>
-              </a:rPr>
-              <a:t>range</a:t>
-            </a:r>
-            <a:r>
-              <a:rPr lang="en" sz="1900">
-                <a:solidFill>
-                  <a:srgbClr val="666666"/>
-                </a:solidFill>
-              </a:rPr>
-              <a:t>(n)) </a:t>
-            </a:r>
-            <a:r>
-              <a:rPr lang="en" sz="1900">
-                <a:solidFill>
-                  <a:schemeClr val="dk1"/>
-                </a:solidFill>
-              </a:rPr>
-              <a:t>is</a:t>
-            </a:r>
-            <a:r>
-              <a:rPr lang="en" sz="1900">
-                <a:solidFill>
-                  <a:srgbClr val="666666"/>
-                </a:solidFill>
-              </a:rPr>
-              <a:t> O(n) f</a:t>
-            </a:r>
-            <a:r>
-              <a:rPr lang="en" sz="1900">
-                <a:solidFill>
-                  <a:schemeClr val="dk1"/>
-                </a:solidFill>
-              </a:rPr>
-              <a:t>or every tour</a:t>
-            </a:r>
-            <a:endParaRPr sz="1700">
-              <a:solidFill>
-                <a:schemeClr val="dk1"/>
-              </a:solidFill>
-            </a:endParaRPr>
-          </a:p>
-          <a:p>
-            <a:pPr indent="0" lvl="0" marL="0" rtl="0" algn="l">
-              <a:spcBef>
-                <a:spcPts val="0"/>
-              </a:spcBef>
-              <a:spcAft>
-                <a:spcPts val="0"/>
-              </a:spcAft>
-              <a:buNone/>
-            </a:pPr>
-            <a:r>
-              <a:t/>
-            </a:r>
-            <a:endParaRPr sz="1900">
-              <a:solidFill>
-                <a:schemeClr val="dk2"/>
-              </a:solidFill>
-            </a:endParaRPr>
-          </a:p>
-          <a:p>
-            <a:pPr indent="0" lvl="0" marL="0" rtl="0" algn="l">
-              <a:spcBef>
-                <a:spcPts val="0"/>
-              </a:spcBef>
-              <a:spcAft>
-                <a:spcPts val="0"/>
-              </a:spcAft>
-              <a:buNone/>
-            </a:pPr>
-            <a:r>
-              <a:t/>
-            </a:r>
-            <a:endParaRPr sz="1900">
-              <a:solidFill>
-                <a:schemeClr val="dk2"/>
-              </a:solidFill>
-            </a:endParaRPr>
-          </a:p>
-        </p:txBody>
-      </p:sp>
-      <p:sp>
-        <p:nvSpPr>
-          <p:cNvPr id="140" name="Google Shape;140;p22"/>
-          <p:cNvSpPr txBox="1"/>
-          <p:nvPr/>
-        </p:nvSpPr>
-        <p:spPr>
-          <a:xfrm>
-            <a:off x="280350" y="2124500"/>
-            <a:ext cx="8583300" cy="572700"/>
-          </a:xfrm>
-          <a:prstGeom prst="rect">
-            <a:avLst/>
-          </a:prstGeom>
-          <a:noFill/>
-          <a:ln>
-            <a:noFill/>
-          </a:ln>
-        </p:spPr>
-        <p:txBody>
-          <a:bodyPr anchorCtr="0" anchor="t" bIns="91425" lIns="91425" spcFirstLastPara="1" rIns="91425" wrap="square" tIns="91425">
-            <a:noAutofit/>
-          </a:bodyPr>
-          <a:lstStyle/>
-          <a:p>
-            <a:pPr indent="0" lvl="0" marL="0" rtl="0" algn="l">
-              <a:spcBef>
-                <a:spcPts val="0"/>
-              </a:spcBef>
-              <a:spcAft>
-                <a:spcPts val="0"/>
-              </a:spcAft>
-              <a:buNone/>
-            </a:pPr>
-            <a:r>
-              <a:rPr lang="en" sz="1900" u="sng">
-                <a:solidFill>
-                  <a:schemeClr val="dk1"/>
-                </a:solidFill>
-              </a:rPr>
-              <a:t>Dominant term:</a:t>
-            </a:r>
-            <a:endParaRPr sz="1700" u="sng">
-              <a:solidFill>
-                <a:schemeClr val="dk1"/>
-              </a:solidFill>
-            </a:endParaRPr>
-          </a:p>
-          <a:p>
-            <a:pPr indent="0" lvl="0" marL="0" rtl="0" algn="l">
-              <a:spcBef>
-                <a:spcPts val="0"/>
-              </a:spcBef>
-              <a:spcAft>
-                <a:spcPts val="0"/>
-              </a:spcAft>
-              <a:buNone/>
-            </a:pPr>
-            <a:r>
-              <a:t/>
-            </a:r>
-            <a:endParaRPr sz="1900" u="sng">
-              <a:solidFill>
-                <a:schemeClr val="dk2"/>
-              </a:solidFill>
-            </a:endParaRPr>
-          </a:p>
-          <a:p>
-            <a:pPr indent="0" lvl="0" marL="0" rtl="0" algn="l">
-              <a:spcBef>
-                <a:spcPts val="0"/>
-              </a:spcBef>
-              <a:spcAft>
-                <a:spcPts val="0"/>
-              </a:spcAft>
-              <a:buNone/>
-            </a:pPr>
-            <a:r>
-              <a:t/>
-            </a:r>
-            <a:endParaRPr sz="1900" u="sng">
-              <a:solidFill>
-                <a:schemeClr val="dk2"/>
-              </a:solidFill>
-            </a:endParaRPr>
-          </a:p>
-        </p:txBody>
-      </p:sp>
-      <p:sp>
-        <p:nvSpPr>
-          <p:cNvPr id="141" name="Google Shape;141;p22"/>
-          <p:cNvSpPr txBox="1"/>
-          <p:nvPr/>
-        </p:nvSpPr>
-        <p:spPr>
-          <a:xfrm>
-            <a:off x="1536000" y="4249025"/>
-            <a:ext cx="6072000" cy="431100"/>
-          </a:xfrm>
-          <a:prstGeom prst="rect">
-            <a:avLst/>
-          </a:prstGeom>
-          <a:noFill/>
-          <a:ln>
-            <a:noFill/>
-          </a:ln>
-        </p:spPr>
-        <p:txBody>
-          <a:bodyPr anchorCtr="0" anchor="t" bIns="91425" lIns="91425" spcFirstLastPara="1" rIns="91425" wrap="square" tIns="91425">
-            <a:spAutoFit/>
-          </a:bodyPr>
-          <a:lstStyle/>
-          <a:p>
-            <a:pPr indent="0" lvl="0" marL="0" rtl="0" algn="l">
-              <a:lnSpc>
-                <a:spcPct val="115000"/>
-              </a:lnSpc>
-              <a:spcBef>
-                <a:spcPts val="1200"/>
-              </a:spcBef>
-              <a:spcAft>
-                <a:spcPts val="1200"/>
-              </a:spcAft>
-              <a:buNone/>
-            </a:pPr>
-            <a:r>
-              <a:rPr lang="en" sz="1600">
-                <a:solidFill>
-                  <a:schemeClr val="dk1"/>
-                </a:solidFill>
-              </a:rPr>
-              <a:t>Algorithm complexity: O(n!) factorial time, dominates everything</a:t>
-            </a:r>
-            <a:endParaRPr sz="1800">
-              <a:solidFill>
-                <a:schemeClr val="dk2"/>
-              </a:solidFill>
-            </a:endParaRPr>
-          </a:p>
-        </p:txBody>
-      </p:sp>
-    </p:spTree>
-  </p:cSld>
-  <p:clrMapOvr>
-    <a:masterClrMapping/>
-  </p:clrMapOvr>
-</p:sld>
-</file>
-
-<file path=ppt/slides/slide11.xml><?xml version="1.0" encoding="utf-8"?>
-<p:sld xmlns:a="http://schemas.openxmlformats.org/drawingml/2006/main" xmlns:r="http://schemas.openxmlformats.org/officeDocument/2006/relationships" xmlns:mc="http://schemas.openxmlformats.org/markup-compatibility/2006" xmlns:mv="urn:schemas-microsoft-com:mac:vml" xmlns:p="http://schemas.openxmlformats.org/presentationml/2006/main" xmlns:c="http://schemas.openxmlformats.org/drawingml/2006/chart" xmlns:dgm="http://schemas.openxmlformats.org/drawingml/2006/diagram" xmlns:o="urn:schemas-microsoft-com:office:office" xmlns:v="urn:schemas-microsoft-com:vml" xmlns:pvml="urn:schemas-microsoft-com:office:powerpoint" xmlns:com="http://schemas.openxmlformats.org/drawingml/2006/compatibility" xmlns:p14="http://schemas.microsoft.com/office/powerpoint/2010/main" xmlns:p15="http://schemas.microsoft.com/office/powerpoint/2012/main" xmlns:ahyp="http://schemas.microsoft.com/office/drawing/2018/hyperlinkcolor">
-  <p:cSld>
-    <p:spTree>
-      <p:nvGrpSpPr>
-        <p:cNvPr id="145" name="Shape 145"/>
-        <p:cNvGrpSpPr/>
-        <p:nvPr/>
-      </p:nvGrpSpPr>
-      <p:grpSpPr>
-        <a:xfrm>
-          <a:off x="0" y="0"/>
-          <a:ext cx="0" cy="0"/>
-          <a:chOff x="0" y="0"/>
-          <a:chExt cx="0" cy="0"/>
-        </a:xfrm>
-      </p:grpSpPr>
-      <p:sp>
-        <p:nvSpPr>
-          <p:cNvPr id="146" name="Google Shape;146;p23"/>
-          <p:cNvSpPr txBox="1"/>
-          <p:nvPr>
-            <p:ph type="title"/>
-          </p:nvPr>
-        </p:nvSpPr>
-        <p:spPr>
-          <a:xfrm>
-            <a:off x="0" y="0"/>
-            <a:ext cx="9144000" cy="572700"/>
-          </a:xfrm>
-          <a:prstGeom prst="rect">
-            <a:avLst/>
-          </a:prstGeom>
-          <a:solidFill>
-            <a:srgbClr val="D9D9D9"/>
-          </a:solidFill>
-        </p:spPr>
-        <p:txBody>
-          <a:bodyPr anchorCtr="0" anchor="t" bIns="91425" lIns="91425" spcFirstLastPara="1" rIns="91425" wrap="square" tIns="91425">
-            <a:normAutofit fontScale="90000"/>
-          </a:bodyPr>
-          <a:lstStyle/>
-          <a:p>
-            <a:pPr indent="0" lvl="0" marL="0" rtl="0" algn="ctr">
-              <a:spcBef>
-                <a:spcPts val="0"/>
-              </a:spcBef>
-              <a:spcAft>
-                <a:spcPts val="0"/>
-              </a:spcAft>
-              <a:buNone/>
-            </a:pPr>
-            <a:r>
-              <a:rPr lang="en"/>
               <a:t>Wallclock Runtime</a:t>
             </a:r>
             <a:endParaRPr/>
@@ -7634,7 +6824,7 @@
       </p:sp>
       <p:pic>
         <p:nvPicPr>
-          <p:cNvPr id="147" name="Google Shape;147;p23"/>
+          <p:cNvPr id="137" name="Google Shape;137;p22"/>
           <p:cNvPicPr preferRelativeResize="0"/>
           <p:nvPr/>
         </p:nvPicPr>
@@ -7662,7 +6852,7 @@
       </p:pic>
       <p:pic>
         <p:nvPicPr>
-          <p:cNvPr id="148" name="Google Shape;148;p23"/>
+          <p:cNvPr id="138" name="Google Shape;138;p22"/>
           <p:cNvPicPr preferRelativeResize="0"/>
           <p:nvPr/>
         </p:nvPicPr>
@@ -7696,12 +6886,12 @@
 </p:sld>
 </file>
 
-<file path=ppt/slides/slide12.xml><?xml version="1.0" encoding="utf-8"?>
+<file path=ppt/slides/slide11.xml><?xml version="1.0" encoding="utf-8"?>
 <p:sld xmlns:a="http://schemas.openxmlformats.org/drawingml/2006/main" xmlns:r="http://schemas.openxmlformats.org/officeDocument/2006/relationships" xmlns:mc="http://schemas.openxmlformats.org/markup-compatibility/2006" xmlns:mv="urn:schemas-microsoft-com:mac:vml" xmlns:p="http://schemas.openxmlformats.org/presentationml/2006/main" xmlns:c="http://schemas.openxmlformats.org/drawingml/2006/chart" xmlns:dgm="http://schemas.openxmlformats.org/drawingml/2006/diagram" xmlns:o="urn:schemas-microsoft-com:office:office" xmlns:v="urn:schemas-microsoft-com:vml" xmlns:pvml="urn:schemas-microsoft-com:office:powerpoint" xmlns:com="http://schemas.openxmlformats.org/drawingml/2006/compatibility" xmlns:p14="http://schemas.microsoft.com/office/powerpoint/2010/main" xmlns:p15="http://schemas.microsoft.com/office/powerpoint/2012/main" xmlns:ahyp="http://schemas.microsoft.com/office/drawing/2018/hyperlinkcolor">
   <p:cSld>
     <p:spTree>
       <p:nvGrpSpPr>
-        <p:cNvPr id="152" name="Shape 152"/>
+        <p:cNvPr id="142" name="Shape 142"/>
         <p:cNvGrpSpPr/>
         <p:nvPr/>
       </p:nvGrpSpPr>
@@ -7715,7 +6905,7 @@
       </p:grpSpPr>
       <p:sp>
         <p:nvSpPr>
-          <p:cNvPr id="153" name="Google Shape;153;p24"/>
+          <p:cNvPr id="143" name="Google Shape;143;p23"/>
           <p:cNvSpPr txBox="1"/>
           <p:nvPr>
             <p:ph type="title"/>
@@ -7758,7 +6948,7 @@
       </p:sp>
       <p:sp>
         <p:nvSpPr>
-          <p:cNvPr id="154" name="Google Shape;154;p24"/>
+          <p:cNvPr id="144" name="Google Shape;144;p23"/>
           <p:cNvSpPr txBox="1"/>
           <p:nvPr/>
         </p:nvSpPr>
@@ -7808,7 +6998,7 @@
       </p:sp>
       <p:sp>
         <p:nvSpPr>
-          <p:cNvPr id="155" name="Google Shape;155;p24"/>
+          <p:cNvPr id="145" name="Google Shape;145;p23"/>
           <p:cNvSpPr txBox="1"/>
           <p:nvPr/>
         </p:nvSpPr>
@@ -7858,7 +7048,7 @@
       </p:sp>
       <p:pic>
         <p:nvPicPr>
-          <p:cNvPr id="156" name="Google Shape;156;p24"/>
+          <p:cNvPr id="146" name="Google Shape;146;p23"/>
           <p:cNvPicPr preferRelativeResize="0"/>
           <p:nvPr/>
         </p:nvPicPr>
@@ -7915,334 +7105,6 @@
           <p:cNvPicPr preferRelativeResize="0"/>
           <p:nvPr/>
         </p:nvPicPr>
-        <p:blipFill>
-          <a:blip r:embed="rId3">
-            <a:alphaModFix/>
-          </a:blip>
-          <a:stretch>
-            <a:fillRect/>
-          </a:stretch>
-        </p:blipFill>
-        <p:spPr>
-          <a:xfrm>
-            <a:off x="159700" y="903988"/>
-            <a:ext cx="6464703" cy="3820974"/>
-          </a:xfrm>
-          <a:prstGeom prst="rect">
-            <a:avLst/>
-          </a:prstGeom>
-          <a:noFill/>
-          <a:ln>
-            <a:noFill/>
-          </a:ln>
-        </p:spPr>
-      </p:pic>
-      <p:sp>
-        <p:nvSpPr>
-          <p:cNvPr id="65" name="Google Shape;65;p14"/>
-          <p:cNvSpPr txBox="1"/>
-          <p:nvPr/>
-        </p:nvSpPr>
-        <p:spPr>
-          <a:xfrm>
-            <a:off x="6655400" y="1322125"/>
-            <a:ext cx="2215500" cy="738900"/>
-          </a:xfrm>
-          <a:prstGeom prst="rect">
-            <a:avLst/>
-          </a:prstGeom>
-          <a:noFill/>
-          <a:ln>
-            <a:noFill/>
-          </a:ln>
-        </p:spPr>
-        <p:txBody>
-          <a:bodyPr anchorCtr="0" anchor="t" bIns="91425" lIns="91425" spcFirstLastPara="1" rIns="91425" wrap="square" tIns="91425">
-            <a:spAutoFit/>
-          </a:bodyPr>
-          <a:lstStyle/>
-          <a:p>
-            <a:pPr indent="-342900" lvl="0" marL="457200" rtl="0" algn="l">
-              <a:spcBef>
-                <a:spcPts val="0"/>
-              </a:spcBef>
-              <a:spcAft>
-                <a:spcPts val="0"/>
-              </a:spcAft>
-              <a:buClr>
-                <a:schemeClr val="dk1"/>
-              </a:buClr>
-              <a:buSzPts val="1800"/>
-              <a:buChar char="●"/>
-            </a:pPr>
-            <a:r>
-              <a:rPr lang="en" sz="1800">
-                <a:solidFill>
-                  <a:schemeClr val="dk1"/>
-                </a:solidFill>
-              </a:rPr>
-              <a:t>Complete, weighted graph</a:t>
-            </a:r>
-            <a:endParaRPr sz="1800">
-              <a:solidFill>
-                <a:schemeClr val="dk1"/>
-              </a:solidFill>
-            </a:endParaRPr>
-          </a:p>
-        </p:txBody>
-      </p:sp>
-      <p:sp>
-        <p:nvSpPr>
-          <p:cNvPr id="66" name="Google Shape;66;p14"/>
-          <p:cNvSpPr txBox="1"/>
-          <p:nvPr/>
-        </p:nvSpPr>
-        <p:spPr>
-          <a:xfrm>
-            <a:off x="6648925" y="2208675"/>
-            <a:ext cx="2399100" cy="1015800"/>
-          </a:xfrm>
-          <a:prstGeom prst="rect">
-            <a:avLst/>
-          </a:prstGeom>
-          <a:noFill/>
-          <a:ln>
-            <a:noFill/>
-          </a:ln>
-        </p:spPr>
-        <p:txBody>
-          <a:bodyPr anchorCtr="0" anchor="t" bIns="91425" lIns="91425" spcFirstLastPara="1" rIns="91425" wrap="square" tIns="91425">
-            <a:spAutoFit/>
-          </a:bodyPr>
-          <a:lstStyle/>
-          <a:p>
-            <a:pPr indent="-342900" lvl="0" marL="457200" rtl="0" algn="l">
-              <a:spcBef>
-                <a:spcPts val="0"/>
-              </a:spcBef>
-              <a:spcAft>
-                <a:spcPts val="0"/>
-              </a:spcAft>
-              <a:buClr>
-                <a:schemeClr val="dk1"/>
-              </a:buClr>
-              <a:buSzPts val="1800"/>
-              <a:buChar char="●"/>
-            </a:pPr>
-            <a:r>
-              <a:rPr lang="en" sz="1800">
-                <a:solidFill>
-                  <a:schemeClr val="dk1"/>
-                </a:solidFill>
-              </a:rPr>
-              <a:t>Visit every vertex once, except start</a:t>
-            </a:r>
-            <a:endParaRPr sz="1800">
-              <a:solidFill>
-                <a:schemeClr val="dk1"/>
-              </a:solidFill>
-            </a:endParaRPr>
-          </a:p>
-        </p:txBody>
-      </p:sp>
-      <p:sp>
-        <p:nvSpPr>
-          <p:cNvPr id="67" name="Google Shape;67;p14"/>
-          <p:cNvSpPr txBox="1"/>
-          <p:nvPr/>
-        </p:nvSpPr>
-        <p:spPr>
-          <a:xfrm>
-            <a:off x="6648925" y="3280300"/>
-            <a:ext cx="2399100" cy="738900"/>
-          </a:xfrm>
-          <a:prstGeom prst="rect">
-            <a:avLst/>
-          </a:prstGeom>
-          <a:noFill/>
-          <a:ln>
-            <a:noFill/>
-          </a:ln>
-        </p:spPr>
-        <p:txBody>
-          <a:bodyPr anchorCtr="0" anchor="t" bIns="91425" lIns="91425" spcFirstLastPara="1" rIns="91425" wrap="square" tIns="91425">
-            <a:spAutoFit/>
-          </a:bodyPr>
-          <a:lstStyle/>
-          <a:p>
-            <a:pPr indent="-342900" lvl="0" marL="457200" rtl="0" algn="l">
-              <a:spcBef>
-                <a:spcPts val="0"/>
-              </a:spcBef>
-              <a:spcAft>
-                <a:spcPts val="0"/>
-              </a:spcAft>
-              <a:buClr>
-                <a:schemeClr val="dk1"/>
-              </a:buClr>
-              <a:buSzPts val="1800"/>
-              <a:buChar char="●"/>
-            </a:pPr>
-            <a:r>
-              <a:rPr lang="en" sz="1800">
-                <a:solidFill>
-                  <a:schemeClr val="dk1"/>
-                </a:solidFill>
-              </a:rPr>
-              <a:t>Find least cost path</a:t>
-            </a:r>
-            <a:endParaRPr sz="1800">
-              <a:solidFill>
-                <a:schemeClr val="dk1"/>
-              </a:solidFill>
-            </a:endParaRPr>
-          </a:p>
-        </p:txBody>
-      </p:sp>
-      <p:sp>
-        <p:nvSpPr>
-          <p:cNvPr id="68" name="Google Shape;68;p14"/>
-          <p:cNvSpPr txBox="1"/>
-          <p:nvPr/>
-        </p:nvSpPr>
-        <p:spPr>
-          <a:xfrm>
-            <a:off x="6883500" y="860425"/>
-            <a:ext cx="2018700" cy="461700"/>
-          </a:xfrm>
-          <a:prstGeom prst="rect">
-            <a:avLst/>
-          </a:prstGeom>
-          <a:noFill/>
-          <a:ln>
-            <a:noFill/>
-          </a:ln>
-        </p:spPr>
-        <p:txBody>
-          <a:bodyPr anchorCtr="0" anchor="t" bIns="91425" lIns="91425" spcFirstLastPara="1" rIns="91425" wrap="square" tIns="91425">
-            <a:spAutoFit/>
-          </a:bodyPr>
-          <a:lstStyle/>
-          <a:p>
-            <a:pPr indent="0" lvl="0" marL="0" rtl="0" algn="l">
-              <a:spcBef>
-                <a:spcPts val="0"/>
-              </a:spcBef>
-              <a:spcAft>
-                <a:spcPts val="0"/>
-              </a:spcAft>
-              <a:buNone/>
-            </a:pPr>
-            <a:r>
-              <a:rPr b="1" lang="en" sz="1800">
-                <a:solidFill>
-                  <a:schemeClr val="dk1"/>
-                </a:solidFill>
-              </a:rPr>
-              <a:t>Optimal:</a:t>
-            </a:r>
-            <a:endParaRPr b="1" sz="1800">
-              <a:solidFill>
-                <a:schemeClr val="dk1"/>
-              </a:solidFill>
-            </a:endParaRPr>
-          </a:p>
-        </p:txBody>
-      </p:sp>
-      <p:sp>
-        <p:nvSpPr>
-          <p:cNvPr id="69" name="Google Shape;69;p14"/>
-          <p:cNvSpPr txBox="1"/>
-          <p:nvPr>
-            <p:ph type="title"/>
-          </p:nvPr>
-        </p:nvSpPr>
-        <p:spPr>
-          <a:xfrm>
-            <a:off x="0" y="0"/>
-            <a:ext cx="9144000" cy="572700"/>
-          </a:xfrm>
-          <a:prstGeom prst="rect">
-            <a:avLst/>
-          </a:prstGeom>
-          <a:solidFill>
-            <a:srgbClr val="D9D9D9"/>
-          </a:solidFill>
-        </p:spPr>
-        <p:txBody>
-          <a:bodyPr anchorCtr="0" anchor="t" bIns="91425" lIns="91425" spcFirstLastPara="1" rIns="91425" wrap="square" tIns="91425">
-            <a:normAutofit fontScale="90000"/>
-          </a:bodyPr>
-          <a:lstStyle/>
-          <a:p>
-            <a:pPr indent="0" lvl="0" marL="0" rtl="0" algn="l">
-              <a:spcBef>
-                <a:spcPts val="0"/>
-              </a:spcBef>
-              <a:spcAft>
-                <a:spcPts val="0"/>
-              </a:spcAft>
-              <a:buClr>
-                <a:schemeClr val="dk1"/>
-              </a:buClr>
-              <a:buSzPct val="39285"/>
-              <a:buFont typeface="Arial"/>
-              <a:buNone/>
-            </a:pPr>
-            <a:r>
-              <a:rPr lang="en"/>
-              <a:t>What is the Traveling Salesman Problem?</a:t>
-            </a:r>
-            <a:endParaRPr/>
-          </a:p>
-          <a:p>
-            <a:pPr indent="0" lvl="0" marL="0" rtl="0" algn="ctr">
-              <a:spcBef>
-                <a:spcPts val="0"/>
-              </a:spcBef>
-              <a:spcAft>
-                <a:spcPts val="0"/>
-              </a:spcAft>
-              <a:buNone/>
-            </a:pPr>
-            <a:r>
-              <a:t/>
-            </a:r>
-            <a:endParaRPr/>
-          </a:p>
-        </p:txBody>
-      </p:sp>
-    </p:spTree>
-  </p:cSld>
-  <p:clrMapOvr>
-    <a:masterClrMapping/>
-  </p:clrMapOvr>
-</p:sld>
-</file>
-
-<file path=ppt/slides/slide3.xml><?xml version="1.0" encoding="utf-8"?>
-<p:sld xmlns:a="http://schemas.openxmlformats.org/drawingml/2006/main" xmlns:r="http://schemas.openxmlformats.org/officeDocument/2006/relationships" xmlns:mc="http://schemas.openxmlformats.org/markup-compatibility/2006" xmlns:mv="urn:schemas-microsoft-com:mac:vml" xmlns:p="http://schemas.openxmlformats.org/presentationml/2006/main" xmlns:c="http://schemas.openxmlformats.org/drawingml/2006/chart" xmlns:dgm="http://schemas.openxmlformats.org/drawingml/2006/diagram" xmlns:o="urn:schemas-microsoft-com:office:office" xmlns:v="urn:schemas-microsoft-com:vml" xmlns:pvml="urn:schemas-microsoft-com:office:powerpoint" xmlns:com="http://schemas.openxmlformats.org/drawingml/2006/compatibility" xmlns:p14="http://schemas.microsoft.com/office/powerpoint/2010/main" xmlns:p15="http://schemas.microsoft.com/office/powerpoint/2012/main" xmlns:ahyp="http://schemas.microsoft.com/office/drawing/2018/hyperlinkcolor">
-  <p:cSld>
-    <p:spTree>
-      <p:nvGrpSpPr>
-        <p:cNvPr id="73" name="Shape 73"/>
-        <p:cNvGrpSpPr/>
-        <p:nvPr/>
-      </p:nvGrpSpPr>
-      <p:grpSpPr>
-        <a:xfrm>
-          <a:off x="0" y="0"/>
-          <a:ext cx="0" cy="0"/>
-          <a:chOff x="0" y="0"/>
-          <a:chExt cx="0" cy="0"/>
-        </a:xfrm>
-      </p:grpSpPr>
-      <p:pic>
-        <p:nvPicPr>
-          <p:cNvPr id="74" name="Google Shape;74;p15"/>
-          <p:cNvPicPr preferRelativeResize="0"/>
-          <p:nvPr/>
-        </p:nvPicPr>
         <p:blipFill rotWithShape="1">
           <a:blip r:embed="rId3">
             <a:alphaModFix/>
@@ -8266,7 +7128,7 @@
       </p:pic>
       <p:sp>
         <p:nvSpPr>
-          <p:cNvPr id="75" name="Google Shape;75;p15"/>
+          <p:cNvPr id="65" name="Google Shape;65;p14"/>
           <p:cNvSpPr txBox="1"/>
           <p:nvPr>
             <p:ph type="title"/>
@@ -8309,7 +7171,7 @@
       </p:sp>
       <p:pic>
         <p:nvPicPr>
-          <p:cNvPr id="76" name="Google Shape;76;p15"/>
+          <p:cNvPr id="66" name="Google Shape;66;p14"/>
           <p:cNvPicPr preferRelativeResize="0"/>
           <p:nvPr/>
         </p:nvPicPr>
@@ -8337,7 +7199,7 @@
       </p:pic>
       <p:sp>
         <p:nvSpPr>
-          <p:cNvPr id="77" name="Google Shape;77;p15"/>
+          <p:cNvPr id="67" name="Google Shape;67;p14"/>
           <p:cNvSpPr txBox="1"/>
           <p:nvPr/>
         </p:nvSpPr>
@@ -8387,7 +7249,7 @@
       </p:sp>
       <p:sp>
         <p:nvSpPr>
-          <p:cNvPr id="78" name="Google Shape;78;p15"/>
+          <p:cNvPr id="68" name="Google Shape;68;p14"/>
           <p:cNvSpPr txBox="1"/>
           <p:nvPr/>
         </p:nvSpPr>
@@ -8441,7 +7303,7 @@
       </p:sp>
       <p:sp>
         <p:nvSpPr>
-          <p:cNvPr id="79" name="Google Shape;79;p15"/>
+          <p:cNvPr id="69" name="Google Shape;69;p14"/>
           <p:cNvSpPr txBox="1"/>
           <p:nvPr/>
         </p:nvSpPr>
@@ -8495,7 +7357,7 @@
       </p:sp>
       <p:sp>
         <p:nvSpPr>
-          <p:cNvPr id="80" name="Google Shape;80;p15"/>
+          <p:cNvPr id="70" name="Google Shape;70;p14"/>
           <p:cNvSpPr txBox="1"/>
           <p:nvPr/>
         </p:nvSpPr>
@@ -8545,7 +7407,7 @@
       </p:sp>
       <p:sp>
         <p:nvSpPr>
-          <p:cNvPr id="81" name="Google Shape;81;p15"/>
+          <p:cNvPr id="71" name="Google Shape;71;p14"/>
           <p:cNvSpPr txBox="1"/>
           <p:nvPr/>
         </p:nvSpPr>
@@ -8623,7 +7485,7 @@
       </p:sp>
       <p:sp>
         <p:nvSpPr>
-          <p:cNvPr id="82" name="Google Shape;82;p15"/>
+          <p:cNvPr id="72" name="Google Shape;72;p14"/>
           <p:cNvSpPr txBox="1"/>
           <p:nvPr/>
         </p:nvSpPr>
@@ -8677,7 +7539,7 @@
       </p:sp>
       <p:sp>
         <p:nvSpPr>
-          <p:cNvPr id="83" name="Google Shape;83;p15"/>
+          <p:cNvPr id="73" name="Google Shape;73;p14"/>
           <p:cNvSpPr txBox="1"/>
           <p:nvPr/>
         </p:nvSpPr>
@@ -8769,12 +7631,12 @@
 </p:sld>
 </file>
 
-<file path=ppt/slides/slide4.xml><?xml version="1.0" encoding="utf-8"?>
+<file path=ppt/slides/slide3.xml><?xml version="1.0" encoding="utf-8"?>
 <p:sld xmlns:a="http://schemas.openxmlformats.org/drawingml/2006/main" xmlns:r="http://schemas.openxmlformats.org/officeDocument/2006/relationships" xmlns:mc="http://schemas.openxmlformats.org/markup-compatibility/2006" xmlns:mv="urn:schemas-microsoft-com:mac:vml" xmlns:p="http://schemas.openxmlformats.org/presentationml/2006/main" xmlns:c="http://schemas.openxmlformats.org/drawingml/2006/chart" xmlns:dgm="http://schemas.openxmlformats.org/drawingml/2006/diagram" xmlns:o="urn:schemas-microsoft-com:office:office" xmlns:v="urn:schemas-microsoft-com:vml" xmlns:pvml="urn:schemas-microsoft-com:office:powerpoint" xmlns:com="http://schemas.openxmlformats.org/drawingml/2006/compatibility" xmlns:p14="http://schemas.microsoft.com/office/powerpoint/2010/main" xmlns:p15="http://schemas.microsoft.com/office/powerpoint/2012/main" xmlns:ahyp="http://schemas.microsoft.com/office/drawing/2018/hyperlinkcolor">
   <p:cSld>
     <p:spTree>
       <p:nvGrpSpPr>
-        <p:cNvPr id="87" name="Shape 87"/>
+        <p:cNvPr id="77" name="Shape 77"/>
         <p:cNvGrpSpPr/>
         <p:nvPr/>
       </p:nvGrpSpPr>
@@ -8788,7 +7650,7 @@
       </p:grpSpPr>
       <p:sp>
         <p:nvSpPr>
-          <p:cNvPr id="88" name="Google Shape;88;p16"/>
+          <p:cNvPr id="78" name="Google Shape;78;p15"/>
           <p:cNvSpPr txBox="1"/>
           <p:nvPr>
             <p:ph type="title"/>
@@ -8831,7 +7693,7 @@
       </p:sp>
       <p:sp>
         <p:nvSpPr>
-          <p:cNvPr id="89" name="Google Shape;89;p16"/>
+          <p:cNvPr id="79" name="Google Shape;79;p15"/>
           <p:cNvSpPr txBox="1"/>
           <p:nvPr>
             <p:ph idx="1" type="body"/>
@@ -9195,7 +8057,7 @@
       </p:sp>
       <p:pic>
         <p:nvPicPr>
-          <p:cNvPr id="90" name="Google Shape;90;p16"/>
+          <p:cNvPr id="80" name="Google Shape;80;p15"/>
           <p:cNvPicPr preferRelativeResize="0"/>
           <p:nvPr/>
         </p:nvPicPr>
@@ -9229,12 +8091,12 @@
 </p:sld>
 </file>
 
-<file path=ppt/slides/slide5.xml><?xml version="1.0" encoding="utf-8"?>
+<file path=ppt/slides/slide4.xml><?xml version="1.0" encoding="utf-8"?>
 <p:sld xmlns:a="http://schemas.openxmlformats.org/drawingml/2006/main" xmlns:r="http://schemas.openxmlformats.org/officeDocument/2006/relationships" xmlns:mc="http://schemas.openxmlformats.org/markup-compatibility/2006" xmlns:mv="urn:schemas-microsoft-com:mac:vml" xmlns:p="http://schemas.openxmlformats.org/presentationml/2006/main" xmlns:c="http://schemas.openxmlformats.org/drawingml/2006/chart" xmlns:dgm="http://schemas.openxmlformats.org/drawingml/2006/diagram" xmlns:o="urn:schemas-microsoft-com:office:office" xmlns:v="urn:schemas-microsoft-com:vml" xmlns:pvml="urn:schemas-microsoft-com:office:powerpoint" xmlns:com="http://schemas.openxmlformats.org/drawingml/2006/compatibility" xmlns:p14="http://schemas.microsoft.com/office/powerpoint/2010/main" xmlns:p15="http://schemas.microsoft.com/office/powerpoint/2012/main" xmlns:ahyp="http://schemas.microsoft.com/office/drawing/2018/hyperlinkcolor">
   <p:cSld>
     <p:spTree>
       <p:nvGrpSpPr>
-        <p:cNvPr id="94" name="Shape 94"/>
+        <p:cNvPr id="84" name="Shape 84"/>
         <p:cNvGrpSpPr/>
         <p:nvPr/>
       </p:nvGrpSpPr>
@@ -9248,7 +8110,7 @@
       </p:grpSpPr>
       <p:sp>
         <p:nvSpPr>
-          <p:cNvPr id="95" name="Google Shape;95;p17"/>
+          <p:cNvPr id="85" name="Google Shape;85;p16"/>
           <p:cNvSpPr txBox="1"/>
           <p:nvPr>
             <p:ph type="title"/>
@@ -9291,7 +8153,7 @@
       </p:sp>
       <p:sp>
         <p:nvSpPr>
-          <p:cNvPr id="96" name="Google Shape;96;p17"/>
+          <p:cNvPr id="86" name="Google Shape;86;p16"/>
           <p:cNvSpPr txBox="1"/>
           <p:nvPr>
             <p:ph idx="1" type="body"/>
@@ -9540,7 +8402,7 @@
       </p:sp>
       <p:sp>
         <p:nvSpPr>
-          <p:cNvPr id="97" name="Google Shape;97;p17"/>
+          <p:cNvPr id="87" name="Google Shape;87;p16"/>
           <p:cNvSpPr/>
           <p:nvPr/>
         </p:nvSpPr>
@@ -9589,7 +8451,7 @@
       </p:sp>
       <p:sp>
         <p:nvSpPr>
-          <p:cNvPr id="98" name="Google Shape;98;p17"/>
+          <p:cNvPr id="88" name="Google Shape;88;p16"/>
           <p:cNvSpPr txBox="1"/>
           <p:nvPr/>
         </p:nvSpPr>
@@ -10161,12 +9023,12 @@
 </p:sld>
 </file>
 
-<file path=ppt/slides/slide6.xml><?xml version="1.0" encoding="utf-8"?>
+<file path=ppt/slides/slide5.xml><?xml version="1.0" encoding="utf-8"?>
 <p:sld xmlns:a="http://schemas.openxmlformats.org/drawingml/2006/main" xmlns:r="http://schemas.openxmlformats.org/officeDocument/2006/relationships" xmlns:mc="http://schemas.openxmlformats.org/markup-compatibility/2006" xmlns:mv="urn:schemas-microsoft-com:mac:vml" xmlns:p="http://schemas.openxmlformats.org/presentationml/2006/main" xmlns:c="http://schemas.openxmlformats.org/drawingml/2006/chart" xmlns:dgm="http://schemas.openxmlformats.org/drawingml/2006/diagram" xmlns:o="urn:schemas-microsoft-com:office:office" xmlns:v="urn:schemas-microsoft-com:vml" xmlns:pvml="urn:schemas-microsoft-com:office:powerpoint" xmlns:com="http://schemas.openxmlformats.org/drawingml/2006/compatibility" xmlns:p14="http://schemas.microsoft.com/office/powerpoint/2010/main" xmlns:p15="http://schemas.microsoft.com/office/powerpoint/2012/main" xmlns:ahyp="http://schemas.microsoft.com/office/drawing/2018/hyperlinkcolor">
   <p:cSld>
     <p:spTree>
       <p:nvGrpSpPr>
-        <p:cNvPr id="102" name="Shape 102"/>
+        <p:cNvPr id="92" name="Shape 92"/>
         <p:cNvGrpSpPr/>
         <p:nvPr/>
       </p:nvGrpSpPr>
@@ -10180,7 +9042,7 @@
       </p:grpSpPr>
       <p:pic>
         <p:nvPicPr>
-          <p:cNvPr id="103" name="Google Shape;103;p18"/>
+          <p:cNvPr id="93" name="Google Shape;93;p17"/>
           <p:cNvPicPr preferRelativeResize="0"/>
           <p:nvPr/>
         </p:nvPicPr>
@@ -10208,7 +9070,7 @@
       </p:pic>
       <p:pic>
         <p:nvPicPr>
-          <p:cNvPr id="104" name="Google Shape;104;p18"/>
+          <p:cNvPr id="94" name="Google Shape;94;p17"/>
           <p:cNvPicPr preferRelativeResize="0"/>
           <p:nvPr/>
         </p:nvPicPr>
@@ -10236,7 +9098,7 @@
       </p:pic>
       <p:sp>
         <p:nvSpPr>
-          <p:cNvPr id="105" name="Google Shape;105;p18"/>
+          <p:cNvPr id="95" name="Google Shape;95;p17"/>
           <p:cNvSpPr txBox="1"/>
           <p:nvPr/>
         </p:nvSpPr>
@@ -10285,7 +9147,7 @@
       </p:sp>
       <p:sp>
         <p:nvSpPr>
-          <p:cNvPr id="106" name="Google Shape;106;p18"/>
+          <p:cNvPr id="96" name="Google Shape;96;p17"/>
           <p:cNvSpPr/>
           <p:nvPr/>
         </p:nvSpPr>
@@ -10337,7 +9199,7 @@
       </p:sp>
       <p:sp>
         <p:nvSpPr>
-          <p:cNvPr id="107" name="Google Shape;107;p18"/>
+          <p:cNvPr id="97" name="Google Shape;97;p17"/>
           <p:cNvSpPr txBox="1"/>
           <p:nvPr/>
         </p:nvSpPr>
@@ -10386,7 +9248,7 @@
       </p:sp>
       <p:sp>
         <p:nvSpPr>
-          <p:cNvPr id="108" name="Google Shape;108;p18"/>
+          <p:cNvPr id="98" name="Google Shape;98;p17"/>
           <p:cNvSpPr txBox="1"/>
           <p:nvPr>
             <p:ph type="title"/>
@@ -10440,12 +9302,12 @@
 </p:sld>
 </file>
 
-<file path=ppt/slides/slide7.xml><?xml version="1.0" encoding="utf-8"?>
+<file path=ppt/slides/slide6.xml><?xml version="1.0" encoding="utf-8"?>
 <p:sld xmlns:a="http://schemas.openxmlformats.org/drawingml/2006/main" xmlns:r="http://schemas.openxmlformats.org/officeDocument/2006/relationships" xmlns:mc="http://schemas.openxmlformats.org/markup-compatibility/2006" xmlns:mv="urn:schemas-microsoft-com:mac:vml" xmlns:p="http://schemas.openxmlformats.org/presentationml/2006/main" xmlns:c="http://schemas.openxmlformats.org/drawingml/2006/chart" xmlns:dgm="http://schemas.openxmlformats.org/drawingml/2006/diagram" xmlns:o="urn:schemas-microsoft-com:office:office" xmlns:v="urn:schemas-microsoft-com:vml" xmlns:pvml="urn:schemas-microsoft-com:office:powerpoint" xmlns:com="http://schemas.openxmlformats.org/drawingml/2006/compatibility" xmlns:p14="http://schemas.microsoft.com/office/powerpoint/2010/main" xmlns:p15="http://schemas.microsoft.com/office/powerpoint/2012/main" xmlns:ahyp="http://schemas.microsoft.com/office/drawing/2018/hyperlinkcolor">
   <p:cSld>
     <p:spTree>
       <p:nvGrpSpPr>
-        <p:cNvPr id="112" name="Shape 112"/>
+        <p:cNvPr id="102" name="Shape 102"/>
         <p:cNvGrpSpPr/>
         <p:nvPr/>
       </p:nvGrpSpPr>
@@ -10459,7 +9321,7 @@
       </p:grpSpPr>
       <p:sp>
         <p:nvSpPr>
-          <p:cNvPr id="113" name="Google Shape;113;p19"/>
+          <p:cNvPr id="103" name="Google Shape;103;p18"/>
           <p:cNvSpPr txBox="1"/>
           <p:nvPr>
             <p:ph idx="1" type="body"/>
@@ -10634,7 +9496,7 @@
       </p:sp>
       <p:pic>
         <p:nvPicPr>
-          <p:cNvPr id="114" name="Google Shape;114;p19"/>
+          <p:cNvPr id="104" name="Google Shape;104;p18"/>
           <p:cNvPicPr preferRelativeResize="0"/>
           <p:nvPr/>
         </p:nvPicPr>
@@ -10662,7 +9524,7 @@
       </p:pic>
       <p:pic>
         <p:nvPicPr>
-          <p:cNvPr id="115" name="Google Shape;115;p19"/>
+          <p:cNvPr id="105" name="Google Shape;105;p18"/>
           <p:cNvPicPr preferRelativeResize="0"/>
           <p:nvPr/>
         </p:nvPicPr>
@@ -10690,7 +9552,7 @@
       </p:pic>
       <p:sp>
         <p:nvSpPr>
-          <p:cNvPr id="116" name="Google Shape;116;p19"/>
+          <p:cNvPr id="106" name="Google Shape;106;p18"/>
           <p:cNvSpPr txBox="1"/>
           <p:nvPr>
             <p:ph type="title"/>
@@ -10739,12 +9601,12 @@
 </p:sld>
 </file>
 
-<file path=ppt/slides/slide8.xml><?xml version="1.0" encoding="utf-8"?>
+<file path=ppt/slides/slide7.xml><?xml version="1.0" encoding="utf-8"?>
 <p:sld xmlns:a="http://schemas.openxmlformats.org/drawingml/2006/main" xmlns:r="http://schemas.openxmlformats.org/officeDocument/2006/relationships" xmlns:mc="http://schemas.openxmlformats.org/markup-compatibility/2006" xmlns:mv="urn:schemas-microsoft-com:mac:vml" xmlns:p="http://schemas.openxmlformats.org/presentationml/2006/main" xmlns:c="http://schemas.openxmlformats.org/drawingml/2006/chart" xmlns:dgm="http://schemas.openxmlformats.org/drawingml/2006/diagram" xmlns:o="urn:schemas-microsoft-com:office:office" xmlns:v="urn:schemas-microsoft-com:vml" xmlns:pvml="urn:schemas-microsoft-com:office:powerpoint" xmlns:com="http://schemas.openxmlformats.org/drawingml/2006/compatibility" xmlns:p14="http://schemas.microsoft.com/office/powerpoint/2010/main" xmlns:p15="http://schemas.microsoft.com/office/powerpoint/2012/main" xmlns:ahyp="http://schemas.microsoft.com/office/drawing/2018/hyperlinkcolor">
   <p:cSld>
     <p:spTree>
       <p:nvGrpSpPr>
-        <p:cNvPr id="120" name="Shape 120"/>
+        <p:cNvPr id="110" name="Shape 110"/>
         <p:cNvGrpSpPr/>
         <p:nvPr/>
       </p:nvGrpSpPr>
@@ -10758,7 +9620,7 @@
       </p:grpSpPr>
       <p:sp>
         <p:nvSpPr>
-          <p:cNvPr id="121" name="Google Shape;121;p20"/>
+          <p:cNvPr id="111" name="Google Shape;111;p19"/>
           <p:cNvSpPr txBox="1"/>
           <p:nvPr>
             <p:ph idx="1" type="body"/>
@@ -10980,37 +9842,9 @@
           </a:p>
         </p:txBody>
       </p:sp>
-      <p:pic>
-        <p:nvPicPr>
-          <p:cNvPr id="122" name="Google Shape;122;p20"/>
-          <p:cNvPicPr preferRelativeResize="0"/>
-          <p:nvPr/>
-        </p:nvPicPr>
-        <p:blipFill>
-          <a:blip r:embed="rId3">
-            <a:alphaModFix/>
-          </a:blip>
-          <a:stretch>
-            <a:fillRect/>
-          </a:stretch>
-        </p:blipFill>
-        <p:spPr>
-          <a:xfrm>
-            <a:off x="152400" y="1310500"/>
-            <a:ext cx="4702724" cy="3003074"/>
-          </a:xfrm>
-          <a:prstGeom prst="rect">
-            <a:avLst/>
-          </a:prstGeom>
-          <a:noFill/>
-          <a:ln>
-            <a:noFill/>
-          </a:ln>
-        </p:spPr>
-      </p:pic>
       <p:sp>
         <p:nvSpPr>
-          <p:cNvPr id="123" name="Google Shape;123;p20"/>
+          <p:cNvPr id="112" name="Google Shape;112;p19"/>
           <p:cNvSpPr txBox="1"/>
           <p:nvPr>
             <p:ph type="title"/>
@@ -11051,6 +9885,34 @@
           </a:p>
         </p:txBody>
       </p:sp>
+      <p:pic>
+        <p:nvPicPr>
+          <p:cNvPr id="113" name="Google Shape;113;p19"/>
+          <p:cNvPicPr preferRelativeResize="0"/>
+          <p:nvPr/>
+        </p:nvPicPr>
+        <p:blipFill>
+          <a:blip r:embed="rId3">
+            <a:alphaModFix/>
+          </a:blip>
+          <a:stretch>
+            <a:fillRect/>
+          </a:stretch>
+        </p:blipFill>
+        <p:spPr>
+          <a:xfrm>
+            <a:off x="146775" y="1299975"/>
+            <a:ext cx="4597048" cy="3028299"/>
+          </a:xfrm>
+          <a:prstGeom prst="rect">
+            <a:avLst/>
+          </a:prstGeom>
+          <a:noFill/>
+          <a:ln>
+            <a:noFill/>
+          </a:ln>
+        </p:spPr>
+      </p:pic>
     </p:spTree>
   </p:cSld>
   <p:clrMapOvr>
@@ -11059,12 +9921,12 @@
 </p:sld>
 </file>
 
-<file path=ppt/slides/slide9.xml><?xml version="1.0" encoding="utf-8"?>
+<file path=ppt/slides/slide8.xml><?xml version="1.0" encoding="utf-8"?>
 <p:sld xmlns:a="http://schemas.openxmlformats.org/drawingml/2006/main" xmlns:r="http://schemas.openxmlformats.org/officeDocument/2006/relationships" xmlns:mc="http://schemas.openxmlformats.org/markup-compatibility/2006" xmlns:mv="urn:schemas-microsoft-com:mac:vml" xmlns:p="http://schemas.openxmlformats.org/presentationml/2006/main" xmlns:c="http://schemas.openxmlformats.org/drawingml/2006/chart" xmlns:dgm="http://schemas.openxmlformats.org/drawingml/2006/diagram" xmlns:o="urn:schemas-microsoft-com:office:office" xmlns:v="urn:schemas-microsoft-com:vml" xmlns:pvml="urn:schemas-microsoft-com:office:powerpoint" xmlns:com="http://schemas.openxmlformats.org/drawingml/2006/compatibility" xmlns:p14="http://schemas.microsoft.com/office/powerpoint/2010/main" xmlns:p15="http://schemas.microsoft.com/office/powerpoint/2012/main" xmlns:ahyp="http://schemas.microsoft.com/office/drawing/2018/hyperlinkcolor">
   <p:cSld>
     <p:spTree>
       <p:nvGrpSpPr>
-        <p:cNvPr id="127" name="Shape 127"/>
+        <p:cNvPr id="117" name="Shape 117"/>
         <p:cNvGrpSpPr/>
         <p:nvPr/>
       </p:nvGrpSpPr>
@@ -11078,7 +9940,7 @@
       </p:grpSpPr>
       <p:sp>
         <p:nvSpPr>
-          <p:cNvPr id="128" name="Google Shape;128;p21"/>
+          <p:cNvPr id="118" name="Google Shape;118;p20"/>
           <p:cNvSpPr txBox="1"/>
           <p:nvPr>
             <p:ph type="title"/>
@@ -11124,37 +9986,9 @@
           </a:p>
         </p:txBody>
       </p:sp>
-      <p:pic>
-        <p:nvPicPr>
-          <p:cNvPr id="129" name="Google Shape;129;p21"/>
-          <p:cNvPicPr preferRelativeResize="0"/>
-          <p:nvPr/>
-        </p:nvPicPr>
-        <p:blipFill>
-          <a:blip r:embed="rId3">
-            <a:alphaModFix/>
-          </a:blip>
-          <a:stretch>
-            <a:fillRect/>
-          </a:stretch>
-        </p:blipFill>
-        <p:spPr>
-          <a:xfrm>
-            <a:off x="146775" y="1263450"/>
-            <a:ext cx="4652500" cy="3064826"/>
-          </a:xfrm>
-          <a:prstGeom prst="rect">
-            <a:avLst/>
-          </a:prstGeom>
-          <a:noFill/>
-          <a:ln>
-            <a:noFill/>
-          </a:ln>
-        </p:spPr>
-      </p:pic>
       <p:sp>
         <p:nvSpPr>
-          <p:cNvPr id="130" name="Google Shape;130;p21"/>
+          <p:cNvPr id="119" name="Google Shape;119;p20"/>
           <p:cNvSpPr txBox="1"/>
           <p:nvPr>
             <p:ph idx="1" type="body"/>
@@ -11231,6 +10065,754 @@
             <a:endParaRPr sz="1600" u="sng">
               <a:solidFill>
                 <a:schemeClr val="dk1"/>
+              </a:solidFill>
+            </a:endParaRPr>
+          </a:p>
+        </p:txBody>
+      </p:sp>
+      <p:pic>
+        <p:nvPicPr>
+          <p:cNvPr id="120" name="Google Shape;120;p20"/>
+          <p:cNvPicPr preferRelativeResize="0"/>
+          <p:nvPr/>
+        </p:nvPicPr>
+        <p:blipFill>
+          <a:blip r:embed="rId3">
+            <a:alphaModFix/>
+          </a:blip>
+          <a:stretch>
+            <a:fillRect/>
+          </a:stretch>
+        </p:blipFill>
+        <p:spPr>
+          <a:xfrm>
+            <a:off x="146775" y="1299975"/>
+            <a:ext cx="4597048" cy="3028299"/>
+          </a:xfrm>
+          <a:prstGeom prst="rect">
+            <a:avLst/>
+          </a:prstGeom>
+          <a:noFill/>
+          <a:ln>
+            <a:noFill/>
+          </a:ln>
+        </p:spPr>
+      </p:pic>
+    </p:spTree>
+  </p:cSld>
+  <p:clrMapOvr>
+    <a:masterClrMapping/>
+  </p:clrMapOvr>
+</p:sld>
+</file>
+
+<file path=ppt/slides/slide9.xml><?xml version="1.0" encoding="utf-8"?>
+<p:sld xmlns:a="http://schemas.openxmlformats.org/drawingml/2006/main" xmlns:r="http://schemas.openxmlformats.org/officeDocument/2006/relationships" xmlns:mc="http://schemas.openxmlformats.org/markup-compatibility/2006" xmlns:mv="urn:schemas-microsoft-com:mac:vml" xmlns:p="http://schemas.openxmlformats.org/presentationml/2006/main" xmlns:c="http://schemas.openxmlformats.org/drawingml/2006/chart" xmlns:dgm="http://schemas.openxmlformats.org/drawingml/2006/diagram" xmlns:o="urn:schemas-microsoft-com:office:office" xmlns:v="urn:schemas-microsoft-com:vml" xmlns:pvml="urn:schemas-microsoft-com:office:powerpoint" xmlns:com="http://schemas.openxmlformats.org/drawingml/2006/compatibility" xmlns:p14="http://schemas.microsoft.com/office/powerpoint/2010/main" xmlns:p15="http://schemas.microsoft.com/office/powerpoint/2012/main" xmlns:ahyp="http://schemas.microsoft.com/office/drawing/2018/hyperlinkcolor">
+  <p:cSld>
+    <p:spTree>
+      <p:nvGrpSpPr>
+        <p:cNvPr id="124" name="Shape 124"/>
+        <p:cNvGrpSpPr/>
+        <p:nvPr/>
+      </p:nvGrpSpPr>
+      <p:grpSpPr>
+        <a:xfrm>
+          <a:off x="0" y="0"/>
+          <a:ext cx="0" cy="0"/>
+          <a:chOff x="0" y="0"/>
+          <a:chExt cx="0" cy="0"/>
+        </a:xfrm>
+      </p:grpSpPr>
+      <p:pic>
+        <p:nvPicPr>
+          <p:cNvPr id="125" name="Google Shape;125;p21"/>
+          <p:cNvPicPr preferRelativeResize="0"/>
+          <p:nvPr/>
+        </p:nvPicPr>
+        <p:blipFill>
+          <a:blip r:embed="rId3">
+            <a:alphaModFix/>
+          </a:blip>
+          <a:stretch>
+            <a:fillRect/>
+          </a:stretch>
+        </p:blipFill>
+        <p:spPr>
+          <a:xfrm flipH="1">
+            <a:off x="5704225" y="86328"/>
+            <a:ext cx="4297125" cy="4297151"/>
+          </a:xfrm>
+          <a:prstGeom prst="rect">
+            <a:avLst/>
+          </a:prstGeom>
+          <a:noFill/>
+          <a:ln>
+            <a:noFill/>
+          </a:ln>
+        </p:spPr>
+      </p:pic>
+      <p:sp>
+        <p:nvSpPr>
+          <p:cNvPr id="126" name="Google Shape;126;p21"/>
+          <p:cNvSpPr txBox="1"/>
+          <p:nvPr>
+            <p:ph type="title"/>
+          </p:nvPr>
+        </p:nvSpPr>
+        <p:spPr>
+          <a:xfrm>
+            <a:off x="0" y="0"/>
+            <a:ext cx="9144000" cy="572700"/>
+          </a:xfrm>
+          <a:prstGeom prst="rect">
+            <a:avLst/>
+          </a:prstGeom>
+          <a:solidFill>
+            <a:srgbClr val="D9D9D9"/>
+          </a:solidFill>
+        </p:spPr>
+        <p:txBody>
+          <a:bodyPr anchorCtr="0" anchor="t" bIns="91425" lIns="91425" spcFirstLastPara="1" rIns="91425" wrap="square" tIns="91425">
+            <a:normAutofit fontScale="90000"/>
+          </a:bodyPr>
+          <a:lstStyle/>
+          <a:p>
+            <a:pPr indent="0" lvl="0" marL="0" rtl="0" algn="ctr">
+              <a:spcBef>
+                <a:spcPts val="0"/>
+              </a:spcBef>
+              <a:spcAft>
+                <a:spcPts val="0"/>
+              </a:spcAft>
+              <a:buNone/>
+            </a:pPr>
+            <a:r>
+              <a:rPr lang="en"/>
+              <a:t>Analytical Runtime</a:t>
+            </a:r>
+            <a:endParaRPr/>
+          </a:p>
+        </p:txBody>
+      </p:sp>
+      <p:sp>
+        <p:nvSpPr>
+          <p:cNvPr id="127" name="Google Shape;127;p21"/>
+          <p:cNvSpPr txBox="1"/>
+          <p:nvPr/>
+        </p:nvSpPr>
+        <p:spPr>
+          <a:xfrm>
+            <a:off x="311700" y="1135850"/>
+            <a:ext cx="4659000" cy="714300"/>
+          </a:xfrm>
+          <a:prstGeom prst="rect">
+            <a:avLst/>
+          </a:prstGeom>
+          <a:noFill/>
+          <a:ln>
+            <a:noFill/>
+          </a:ln>
+        </p:spPr>
+        <p:txBody>
+          <a:bodyPr anchorCtr="0" anchor="t" bIns="91425" lIns="91425" spcFirstLastPara="1" rIns="91425" wrap="square" tIns="91425">
+            <a:spAutoFit/>
+          </a:bodyPr>
+          <a:lstStyle/>
+          <a:p>
+            <a:pPr indent="-330200" lvl="0" marL="457200" rtl="0" algn="l">
+              <a:lnSpc>
+                <a:spcPct val="115000"/>
+              </a:lnSpc>
+              <a:spcBef>
+                <a:spcPts val="1200"/>
+              </a:spcBef>
+              <a:spcAft>
+                <a:spcPts val="0"/>
+              </a:spcAft>
+              <a:buClr>
+                <a:schemeClr val="dk1"/>
+              </a:buClr>
+              <a:buSzPts val="1600"/>
+              <a:buChar char="●"/>
+            </a:pPr>
+            <a:r>
+              <a:rPr lang="en" sz="1600">
+                <a:solidFill>
+                  <a:schemeClr val="dk1"/>
+                </a:solidFill>
+              </a:rPr>
+              <a:t>Using a brute-force algorithm for TSP, every possible tour of the cities is examined:</a:t>
+            </a:r>
+            <a:endParaRPr sz="1800">
+              <a:solidFill>
+                <a:schemeClr val="dk2"/>
+              </a:solidFill>
+            </a:endParaRPr>
+          </a:p>
+        </p:txBody>
+      </p:sp>
+      <p:sp>
+        <p:nvSpPr>
+          <p:cNvPr id="128" name="Google Shape;128;p21"/>
+          <p:cNvSpPr txBox="1"/>
+          <p:nvPr/>
+        </p:nvSpPr>
+        <p:spPr>
+          <a:xfrm>
+            <a:off x="264300" y="2507750"/>
+            <a:ext cx="8615400" cy="572700"/>
+          </a:xfrm>
+          <a:prstGeom prst="rect">
+            <a:avLst/>
+          </a:prstGeom>
+          <a:noFill/>
+          <a:ln>
+            <a:noFill/>
+          </a:ln>
+        </p:spPr>
+        <p:txBody>
+          <a:bodyPr anchorCtr="0" anchor="t" bIns="91425" lIns="91425" spcFirstLastPara="1" rIns="91425" wrap="square" tIns="91425">
+            <a:noAutofit/>
+          </a:bodyPr>
+          <a:lstStyle/>
+          <a:p>
+            <a:pPr indent="0" lvl="0" marL="0" rtl="0" algn="l">
+              <a:spcBef>
+                <a:spcPts val="0"/>
+              </a:spcBef>
+              <a:spcAft>
+                <a:spcPts val="0"/>
+              </a:spcAft>
+              <a:buClr>
+                <a:schemeClr val="dk1"/>
+              </a:buClr>
+              <a:buSzPts val="1100"/>
+              <a:buFont typeface="Arial"/>
+              <a:buNone/>
+            </a:pPr>
+            <a:r>
+              <a:rPr lang="en" sz="1900">
+                <a:solidFill>
+                  <a:srgbClr val="FF0000"/>
+                </a:solidFill>
+              </a:rPr>
+              <a:t>for</a:t>
+            </a:r>
+            <a:r>
+              <a:rPr lang="en" sz="1900">
+                <a:solidFill>
+                  <a:schemeClr val="dk1"/>
+                </a:solidFill>
+              </a:rPr>
+              <a:t> </a:t>
+            </a:r>
+            <a:r>
+              <a:rPr lang="en" sz="1900">
+                <a:solidFill>
+                  <a:schemeClr val="dk2"/>
+                </a:solidFill>
+              </a:rPr>
+              <a:t>perm</a:t>
+            </a:r>
+            <a:r>
+              <a:rPr lang="en" sz="1900">
+                <a:solidFill>
+                  <a:schemeClr val="dk1"/>
+                </a:solidFill>
+              </a:rPr>
+              <a:t> </a:t>
+            </a:r>
+            <a:r>
+              <a:rPr lang="en" sz="1900">
+                <a:solidFill>
+                  <a:srgbClr val="FF0000"/>
+                </a:solidFill>
+              </a:rPr>
+              <a:t>in</a:t>
+            </a:r>
+            <a:r>
+              <a:rPr lang="en" sz="1900">
+                <a:solidFill>
+                  <a:schemeClr val="dk1"/>
+                </a:solidFill>
+              </a:rPr>
+              <a:t> </a:t>
+            </a:r>
+            <a:r>
+              <a:rPr lang="en" sz="1900">
+                <a:solidFill>
+                  <a:srgbClr val="666666"/>
+                </a:solidFill>
+              </a:rPr>
+              <a:t>itertools.permutations(</a:t>
+            </a:r>
+            <a:r>
+              <a:rPr lang="en" sz="1900">
+                <a:solidFill>
+                  <a:srgbClr val="188038"/>
+                </a:solidFill>
+              </a:rPr>
+              <a:t>range</a:t>
+            </a:r>
+            <a:r>
+              <a:rPr lang="en" sz="1900">
+                <a:solidFill>
+                  <a:srgbClr val="666666"/>
+                </a:solidFill>
+              </a:rPr>
+              <a:t>(</a:t>
+            </a:r>
+            <a:r>
+              <a:rPr lang="en" sz="1900">
+                <a:solidFill>
+                  <a:srgbClr val="FF00FF"/>
+                </a:solidFill>
+              </a:rPr>
+              <a:t>1</a:t>
+            </a:r>
+            <a:r>
+              <a:rPr lang="en" sz="1900">
+                <a:solidFill>
+                  <a:srgbClr val="666666"/>
+                </a:solidFill>
+              </a:rPr>
+              <a:t>, n)) </a:t>
+            </a:r>
+            <a:r>
+              <a:rPr lang="en" sz="1900">
+                <a:solidFill>
+                  <a:schemeClr val="dk1"/>
+                </a:solidFill>
+              </a:rPr>
+              <a:t>producing</a:t>
+            </a:r>
+            <a:r>
+              <a:rPr lang="en" sz="1900">
+                <a:solidFill>
+                  <a:srgbClr val="666666"/>
+                </a:solidFill>
+              </a:rPr>
+              <a:t> (n - 1)! </a:t>
+            </a:r>
+            <a:r>
+              <a:rPr lang="en" sz="1900">
+                <a:solidFill>
+                  <a:schemeClr val="dk1"/>
+                </a:solidFill>
+              </a:rPr>
+              <a:t>tours</a:t>
+            </a:r>
+            <a:endParaRPr sz="1900">
+              <a:solidFill>
+                <a:schemeClr val="dk1"/>
+              </a:solidFill>
+            </a:endParaRPr>
+          </a:p>
+          <a:p>
+            <a:pPr indent="0" lvl="0" marL="0" rtl="0" algn="l">
+              <a:spcBef>
+                <a:spcPts val="0"/>
+              </a:spcBef>
+              <a:spcAft>
+                <a:spcPts val="0"/>
+              </a:spcAft>
+              <a:buClr>
+                <a:schemeClr val="dk1"/>
+              </a:buClr>
+              <a:buSzPts val="1100"/>
+              <a:buFont typeface="Arial"/>
+              <a:buNone/>
+            </a:pPr>
+            <a:r>
+              <a:t/>
+            </a:r>
+            <a:endParaRPr sz="2100">
+              <a:solidFill>
+                <a:schemeClr val="dk2"/>
+              </a:solidFill>
+            </a:endParaRPr>
+          </a:p>
+          <a:p>
+            <a:pPr indent="0" lvl="0" marL="0" rtl="0" algn="l">
+              <a:spcBef>
+                <a:spcPts val="0"/>
+              </a:spcBef>
+              <a:spcAft>
+                <a:spcPts val="0"/>
+              </a:spcAft>
+              <a:buNone/>
+            </a:pPr>
+            <a:r>
+              <a:t/>
+            </a:r>
+            <a:endParaRPr sz="2100">
+              <a:solidFill>
+                <a:schemeClr val="dk2"/>
+              </a:solidFill>
+            </a:endParaRPr>
+          </a:p>
+        </p:txBody>
+      </p:sp>
+      <p:sp>
+        <p:nvSpPr>
+          <p:cNvPr id="129" name="Google Shape;129;p21"/>
+          <p:cNvSpPr txBox="1"/>
+          <p:nvPr/>
+        </p:nvSpPr>
+        <p:spPr>
+          <a:xfrm>
+            <a:off x="280350" y="3355150"/>
+            <a:ext cx="8583300" cy="572700"/>
+          </a:xfrm>
+          <a:prstGeom prst="rect">
+            <a:avLst/>
+          </a:prstGeom>
+          <a:noFill/>
+          <a:ln>
+            <a:noFill/>
+          </a:ln>
+        </p:spPr>
+        <p:txBody>
+          <a:bodyPr anchorCtr="0" anchor="t" bIns="91425" lIns="91425" spcFirstLastPara="1" rIns="91425" wrap="square" tIns="91425">
+            <a:noAutofit/>
+          </a:bodyPr>
+          <a:lstStyle/>
+          <a:p>
+            <a:pPr indent="0" lvl="0" marL="0" rtl="0" algn="l">
+              <a:spcBef>
+                <a:spcPts val="0"/>
+              </a:spcBef>
+              <a:spcAft>
+                <a:spcPts val="0"/>
+              </a:spcAft>
+              <a:buNone/>
+            </a:pPr>
+            <a:r>
+              <a:rPr lang="en" sz="1900">
+                <a:solidFill>
+                  <a:schemeClr val="dk1"/>
+                </a:solidFill>
+              </a:rPr>
+              <a:t>cost = </a:t>
+            </a:r>
+            <a:r>
+              <a:rPr lang="en" sz="1900">
+                <a:solidFill>
+                  <a:srgbClr val="188038"/>
+                </a:solidFill>
+              </a:rPr>
+              <a:t>sum</a:t>
+            </a:r>
+            <a:r>
+              <a:rPr lang="en" sz="1900">
+                <a:solidFill>
+                  <a:srgbClr val="666666"/>
+                </a:solidFill>
+              </a:rPr>
+              <a:t>(dist[tour[i]][tour[i +</a:t>
+            </a:r>
+            <a:r>
+              <a:rPr lang="en" sz="1900">
+                <a:solidFill>
+                  <a:schemeClr val="dk1"/>
+                </a:solidFill>
+              </a:rPr>
+              <a:t> </a:t>
+            </a:r>
+            <a:r>
+              <a:rPr lang="en" sz="1900">
+                <a:solidFill>
+                  <a:srgbClr val="FF00FF"/>
+                </a:solidFill>
+              </a:rPr>
+              <a:t>1</a:t>
+            </a:r>
+            <a:r>
+              <a:rPr lang="en" sz="1900">
+                <a:solidFill>
+                  <a:srgbClr val="666666"/>
+                </a:solidFill>
+              </a:rPr>
+              <a:t>]</a:t>
+            </a:r>
+            <a:r>
+              <a:rPr lang="en" sz="1900">
+                <a:solidFill>
+                  <a:schemeClr val="dk1"/>
+                </a:solidFill>
+              </a:rPr>
+              <a:t> </a:t>
+            </a:r>
+            <a:r>
+              <a:rPr lang="en" sz="1900">
+                <a:solidFill>
+                  <a:srgbClr val="FF0000"/>
+                </a:solidFill>
+              </a:rPr>
+              <a:t>for</a:t>
+            </a:r>
+            <a:r>
+              <a:rPr lang="en" sz="1900">
+                <a:solidFill>
+                  <a:schemeClr val="dk1"/>
+                </a:solidFill>
+              </a:rPr>
+              <a:t> </a:t>
+            </a:r>
+            <a:r>
+              <a:rPr lang="en" sz="1900">
+                <a:solidFill>
+                  <a:srgbClr val="666666"/>
+                </a:solidFill>
+              </a:rPr>
+              <a:t>i</a:t>
+            </a:r>
+            <a:r>
+              <a:rPr lang="en" sz="1900">
+                <a:solidFill>
+                  <a:schemeClr val="dk1"/>
+                </a:solidFill>
+              </a:rPr>
+              <a:t> </a:t>
+            </a:r>
+            <a:r>
+              <a:rPr lang="en" sz="1900">
+                <a:solidFill>
+                  <a:srgbClr val="FF0000"/>
+                </a:solidFill>
+              </a:rPr>
+              <a:t>in</a:t>
+            </a:r>
+            <a:r>
+              <a:rPr lang="en" sz="1900">
+                <a:solidFill>
+                  <a:schemeClr val="dk1"/>
+                </a:solidFill>
+              </a:rPr>
+              <a:t> </a:t>
+            </a:r>
+            <a:r>
+              <a:rPr lang="en" sz="1900">
+                <a:solidFill>
+                  <a:srgbClr val="188038"/>
+                </a:solidFill>
+              </a:rPr>
+              <a:t>range</a:t>
+            </a:r>
+            <a:r>
+              <a:rPr lang="en" sz="1900">
+                <a:solidFill>
+                  <a:srgbClr val="666666"/>
+                </a:solidFill>
+              </a:rPr>
+              <a:t>(n)) </a:t>
+            </a:r>
+            <a:r>
+              <a:rPr lang="en" sz="1900">
+                <a:solidFill>
+                  <a:schemeClr val="dk1"/>
+                </a:solidFill>
+              </a:rPr>
+              <a:t>is</a:t>
+            </a:r>
+            <a:r>
+              <a:rPr lang="en" sz="1900">
+                <a:solidFill>
+                  <a:srgbClr val="666666"/>
+                </a:solidFill>
+              </a:rPr>
+              <a:t> O(n) f</a:t>
+            </a:r>
+            <a:r>
+              <a:rPr lang="en" sz="1900">
+                <a:solidFill>
+                  <a:schemeClr val="dk1"/>
+                </a:solidFill>
+              </a:rPr>
+              <a:t>or every tour</a:t>
+            </a:r>
+            <a:endParaRPr sz="1700">
+              <a:solidFill>
+                <a:schemeClr val="dk1"/>
+              </a:solidFill>
+            </a:endParaRPr>
+          </a:p>
+          <a:p>
+            <a:pPr indent="0" lvl="0" marL="0" rtl="0" algn="l">
+              <a:spcBef>
+                <a:spcPts val="0"/>
+              </a:spcBef>
+              <a:spcAft>
+                <a:spcPts val="0"/>
+              </a:spcAft>
+              <a:buNone/>
+            </a:pPr>
+            <a:r>
+              <a:t/>
+            </a:r>
+            <a:endParaRPr sz="1900">
+              <a:solidFill>
+                <a:schemeClr val="dk2"/>
+              </a:solidFill>
+            </a:endParaRPr>
+          </a:p>
+          <a:p>
+            <a:pPr indent="0" lvl="0" marL="0" rtl="0" algn="l">
+              <a:spcBef>
+                <a:spcPts val="0"/>
+              </a:spcBef>
+              <a:spcAft>
+                <a:spcPts val="0"/>
+              </a:spcAft>
+              <a:buNone/>
+            </a:pPr>
+            <a:r>
+              <a:t/>
+            </a:r>
+            <a:endParaRPr sz="1900">
+              <a:solidFill>
+                <a:schemeClr val="dk2"/>
+              </a:solidFill>
+            </a:endParaRPr>
+          </a:p>
+        </p:txBody>
+      </p:sp>
+      <p:sp>
+        <p:nvSpPr>
+          <p:cNvPr id="130" name="Google Shape;130;p21"/>
+          <p:cNvSpPr txBox="1"/>
+          <p:nvPr/>
+        </p:nvSpPr>
+        <p:spPr>
+          <a:xfrm>
+            <a:off x="280350" y="2124500"/>
+            <a:ext cx="8583300" cy="572700"/>
+          </a:xfrm>
+          <a:prstGeom prst="rect">
+            <a:avLst/>
+          </a:prstGeom>
+          <a:noFill/>
+          <a:ln>
+            <a:noFill/>
+          </a:ln>
+        </p:spPr>
+        <p:txBody>
+          <a:bodyPr anchorCtr="0" anchor="t" bIns="91425" lIns="91425" spcFirstLastPara="1" rIns="91425" wrap="square" tIns="91425">
+            <a:noAutofit/>
+          </a:bodyPr>
+          <a:lstStyle/>
+          <a:p>
+            <a:pPr indent="0" lvl="0" marL="0" rtl="0" algn="l">
+              <a:spcBef>
+                <a:spcPts val="0"/>
+              </a:spcBef>
+              <a:spcAft>
+                <a:spcPts val="0"/>
+              </a:spcAft>
+              <a:buNone/>
+            </a:pPr>
+            <a:r>
+              <a:rPr lang="en" sz="1900" u="sng">
+                <a:solidFill>
+                  <a:schemeClr val="dk1"/>
+                </a:solidFill>
+              </a:rPr>
+              <a:t>Dominant term:</a:t>
+            </a:r>
+            <a:endParaRPr sz="1700" u="sng">
+              <a:solidFill>
+                <a:schemeClr val="dk1"/>
+              </a:solidFill>
+            </a:endParaRPr>
+          </a:p>
+          <a:p>
+            <a:pPr indent="0" lvl="0" marL="0" rtl="0" algn="l">
+              <a:spcBef>
+                <a:spcPts val="0"/>
+              </a:spcBef>
+              <a:spcAft>
+                <a:spcPts val="0"/>
+              </a:spcAft>
+              <a:buNone/>
+            </a:pPr>
+            <a:r>
+              <a:t/>
+            </a:r>
+            <a:endParaRPr sz="1900" u="sng">
+              <a:solidFill>
+                <a:schemeClr val="dk2"/>
+              </a:solidFill>
+            </a:endParaRPr>
+          </a:p>
+          <a:p>
+            <a:pPr indent="0" lvl="0" marL="0" rtl="0" algn="l">
+              <a:spcBef>
+                <a:spcPts val="0"/>
+              </a:spcBef>
+              <a:spcAft>
+                <a:spcPts val="0"/>
+              </a:spcAft>
+              <a:buNone/>
+            </a:pPr>
+            <a:r>
+              <a:t/>
+            </a:r>
+            <a:endParaRPr sz="1900" u="sng">
+              <a:solidFill>
+                <a:schemeClr val="dk2"/>
+              </a:solidFill>
+            </a:endParaRPr>
+          </a:p>
+        </p:txBody>
+      </p:sp>
+      <p:sp>
+        <p:nvSpPr>
+          <p:cNvPr id="131" name="Google Shape;131;p21"/>
+          <p:cNvSpPr txBox="1"/>
+          <p:nvPr/>
+        </p:nvSpPr>
+        <p:spPr>
+          <a:xfrm>
+            <a:off x="1536000" y="4249025"/>
+            <a:ext cx="6072000" cy="431100"/>
+          </a:xfrm>
+          <a:prstGeom prst="rect">
+            <a:avLst/>
+          </a:prstGeom>
+          <a:noFill/>
+          <a:ln>
+            <a:noFill/>
+          </a:ln>
+        </p:spPr>
+        <p:txBody>
+          <a:bodyPr anchorCtr="0" anchor="t" bIns="91425" lIns="91425" spcFirstLastPara="1" rIns="91425" wrap="square" tIns="91425">
+            <a:spAutoFit/>
+          </a:bodyPr>
+          <a:lstStyle/>
+          <a:p>
+            <a:pPr indent="0" lvl="0" marL="0" rtl="0" algn="l">
+              <a:lnSpc>
+                <a:spcPct val="115000"/>
+              </a:lnSpc>
+              <a:spcBef>
+                <a:spcPts val="1200"/>
+              </a:spcBef>
+              <a:spcAft>
+                <a:spcPts val="1200"/>
+              </a:spcAft>
+              <a:buNone/>
+            </a:pPr>
+            <a:r>
+              <a:rPr lang="en" sz="1600">
+                <a:solidFill>
+                  <a:schemeClr val="dk1"/>
+                </a:solidFill>
+              </a:rPr>
+              <a:t>Algorithm complexity: O(n!) factorial time, dominates everything</a:t>
+            </a:r>
+            <a:endParaRPr sz="1800">
+              <a:solidFill>
+                <a:schemeClr val="dk2"/>
               </a:solidFill>
             </a:endParaRPr>
           </a:p>

--- a/presentations/problem_presentation.pptx
+++ b/presentations/problem_presentation.pptx
@@ -715,7 +715,7 @@
       </p:grpSpPr>
       <p:sp>
         <p:nvSpPr>
-          <p:cNvPr id="51" name="Google Shape;51;g3adba756cf9_0_0:notes"/>
+          <p:cNvPr id="51" name="Google Shape;51;g3adbc85ed7d_0_0:notes"/>
           <p:cNvSpPr/>
           <p:nvPr>
             <p:ph idx="2" type="sldImg"/>
@@ -750,7 +750,7 @@
       </p:sp>
       <p:sp>
         <p:nvSpPr>
-          <p:cNvPr id="52" name="Google Shape;52;g3adba756cf9_0_0:notes"/>
+          <p:cNvPr id="52" name="Google Shape;52;g3adbc85ed7d_0_0:notes"/>
           <p:cNvSpPr txBox="1"/>
           <p:nvPr>
             <p:ph idx="1" type="body"/>
@@ -800,7 +800,7 @@
   <p:cSld>
     <p:spTree>
       <p:nvGrpSpPr>
-        <p:cNvPr id="132" name="Shape 132"/>
+        <p:cNvPr id="135" name="Shape 135"/>
         <p:cNvGrpSpPr/>
         <p:nvPr/>
       </p:nvGrpSpPr>
@@ -814,7 +814,7 @@
       </p:grpSpPr>
       <p:sp>
         <p:nvSpPr>
-          <p:cNvPr id="133" name="Google Shape;133;g3adba756cf9_0_73:notes"/>
+          <p:cNvPr id="136" name="Google Shape;136;g3adbc85ed7d_0_76:notes"/>
           <p:cNvSpPr/>
           <p:nvPr>
             <p:ph idx="2" type="sldImg"/>
@@ -849,7 +849,7 @@
       </p:sp>
       <p:sp>
         <p:nvSpPr>
-          <p:cNvPr id="134" name="Google Shape;134;g3adba756cf9_0_73:notes"/>
+          <p:cNvPr id="137" name="Google Shape;137;g3adbc85ed7d_0_76:notes"/>
           <p:cNvSpPr txBox="1"/>
           <p:nvPr>
             <p:ph idx="1" type="body"/>
@@ -899,7 +899,7 @@
   <p:cSld>
     <p:spTree>
       <p:nvGrpSpPr>
-        <p:cNvPr id="139" name="Shape 139"/>
+        <p:cNvPr id="142" name="Shape 142"/>
         <p:cNvGrpSpPr/>
         <p:nvPr/>
       </p:nvGrpSpPr>
@@ -913,7 +913,7 @@
       </p:grpSpPr>
       <p:sp>
         <p:nvSpPr>
-          <p:cNvPr id="140" name="Google Shape;140;g3adba756cf9_0_79:notes"/>
+          <p:cNvPr id="143" name="Google Shape;143;g3adbc85ed7d_0_82:notes"/>
           <p:cNvSpPr/>
           <p:nvPr>
             <p:ph idx="2" type="sldImg"/>
@@ -948,7 +948,7 @@
       </p:sp>
       <p:sp>
         <p:nvSpPr>
-          <p:cNvPr id="141" name="Google Shape;141;g3adba756cf9_0_79:notes"/>
+          <p:cNvPr id="144" name="Google Shape;144;g3adbc85ed7d_0_82:notes"/>
           <p:cNvSpPr txBox="1"/>
           <p:nvPr>
             <p:ph idx="1" type="body"/>
@@ -1012,7 +1012,7 @@
       </p:grpSpPr>
       <p:sp>
         <p:nvSpPr>
-          <p:cNvPr id="61" name="Google Shape;61;g3adba756cf9_0_9:notes"/>
+          <p:cNvPr id="61" name="Google Shape;61;g3adbc85ed7d_0_9:notes"/>
           <p:cNvSpPr/>
           <p:nvPr>
             <p:ph idx="2" type="sldImg"/>
@@ -1047,7 +1047,7 @@
       </p:sp>
       <p:sp>
         <p:nvSpPr>
-          <p:cNvPr id="62" name="Google Shape;62;g3adba756cf9_0_9:notes"/>
+          <p:cNvPr id="62" name="Google Shape;62;g3adbc85ed7d_0_9:notes"/>
           <p:cNvSpPr txBox="1"/>
           <p:nvPr>
             <p:ph idx="1" type="body"/>
@@ -1111,7 +1111,7 @@
       </p:grpSpPr>
       <p:sp>
         <p:nvSpPr>
-          <p:cNvPr id="75" name="Google Shape;75;g3adba756cf9_0_22:notes"/>
+          <p:cNvPr id="75" name="Google Shape;75;g3adbc85ed7d_0_22:notes"/>
           <p:cNvSpPr/>
           <p:nvPr>
             <p:ph idx="2" type="sldImg"/>
@@ -1146,7 +1146,7 @@
       </p:sp>
       <p:sp>
         <p:nvSpPr>
-          <p:cNvPr id="76" name="Google Shape;76;g3adba756cf9_0_22:notes"/>
+          <p:cNvPr id="76" name="Google Shape;76;g3adbc85ed7d_0_22:notes"/>
           <p:cNvSpPr txBox="1"/>
           <p:nvPr>
             <p:ph idx="1" type="body"/>
@@ -1210,7 +1210,7 @@
       </p:grpSpPr>
       <p:sp>
         <p:nvSpPr>
-          <p:cNvPr id="82" name="Google Shape;82;g3adba756cf9_0_28:notes"/>
+          <p:cNvPr id="82" name="Google Shape;82;g3adbc85ed7d_0_28:notes"/>
           <p:cNvSpPr/>
           <p:nvPr>
             <p:ph idx="2" type="sldImg"/>
@@ -1245,7 +1245,7 @@
       </p:sp>
       <p:sp>
         <p:nvSpPr>
-          <p:cNvPr id="83" name="Google Shape;83;g3adba756cf9_0_28:notes"/>
+          <p:cNvPr id="83" name="Google Shape;83;g3adbc85ed7d_0_28:notes"/>
           <p:cNvSpPr txBox="1"/>
           <p:nvPr>
             <p:ph idx="1" type="body"/>
@@ -1309,7 +1309,7 @@
       </p:grpSpPr>
       <p:sp>
         <p:nvSpPr>
-          <p:cNvPr id="90" name="Google Shape;90;g3adba756cf9_0_35:notes"/>
+          <p:cNvPr id="90" name="Google Shape;90;g3adbc85ed7d_0_35:notes"/>
           <p:cNvSpPr/>
           <p:nvPr>
             <p:ph idx="2" type="sldImg"/>
@@ -1344,7 +1344,7 @@
       </p:sp>
       <p:sp>
         <p:nvSpPr>
-          <p:cNvPr id="91" name="Google Shape;91;g3adba756cf9_0_35:notes"/>
+          <p:cNvPr id="91" name="Google Shape;91;g3adbc85ed7d_0_35:notes"/>
           <p:cNvSpPr txBox="1"/>
           <p:nvPr>
             <p:ph idx="1" type="body"/>
@@ -1408,7 +1408,7 @@
       </p:grpSpPr>
       <p:sp>
         <p:nvSpPr>
-          <p:cNvPr id="100" name="Google Shape;100;g3adba756cf9_0_44:notes"/>
+          <p:cNvPr id="100" name="Google Shape;100;g3adbc85ed7d_0_44:notes"/>
           <p:cNvSpPr/>
           <p:nvPr>
             <p:ph idx="2" type="sldImg"/>
@@ -1443,7 +1443,7 @@
       </p:sp>
       <p:sp>
         <p:nvSpPr>
-          <p:cNvPr id="101" name="Google Shape;101;g3adba756cf9_0_44:notes"/>
+          <p:cNvPr id="101" name="Google Shape;101;g3adbc85ed7d_0_44:notes"/>
           <p:cNvSpPr txBox="1"/>
           <p:nvPr>
             <p:ph idx="1" type="body"/>
@@ -1507,7 +1507,7 @@
       </p:grpSpPr>
       <p:sp>
         <p:nvSpPr>
-          <p:cNvPr id="108" name="Google Shape;108;g3adba756cf9_0_51:notes"/>
+          <p:cNvPr id="108" name="Google Shape;108;g3adbc85ed7d_0_51:notes"/>
           <p:cNvSpPr/>
           <p:nvPr>
             <p:ph idx="2" type="sldImg"/>
@@ -1542,7 +1542,7 @@
       </p:sp>
       <p:sp>
         <p:nvSpPr>
-          <p:cNvPr id="109" name="Google Shape;109;g3adba756cf9_0_51:notes"/>
+          <p:cNvPr id="109" name="Google Shape;109;g3adbc85ed7d_0_51:notes"/>
           <p:cNvSpPr txBox="1"/>
           <p:nvPr>
             <p:ph idx="1" type="body"/>
@@ -1606,7 +1606,7 @@
       </p:grpSpPr>
       <p:sp>
         <p:nvSpPr>
-          <p:cNvPr id="115" name="Google Shape;115;g3adba756cf9_0_57:notes"/>
+          <p:cNvPr id="115" name="Google Shape;115;g3adbc85ed7d_0_57:notes"/>
           <p:cNvSpPr/>
           <p:nvPr>
             <p:ph idx="2" type="sldImg"/>
@@ -1641,7 +1641,7 @@
       </p:sp>
       <p:sp>
         <p:nvSpPr>
-          <p:cNvPr id="116" name="Google Shape;116;g3adba756cf9_0_57:notes"/>
+          <p:cNvPr id="116" name="Google Shape;116;g3adbc85ed7d_0_57:notes"/>
           <p:cNvSpPr txBox="1"/>
           <p:nvPr>
             <p:ph idx="1" type="body"/>
@@ -1691,7 +1691,7 @@
   <p:cSld>
     <p:spTree>
       <p:nvGrpSpPr>
-        <p:cNvPr id="121" name="Shape 121"/>
+        <p:cNvPr id="124" name="Shape 124"/>
         <p:cNvGrpSpPr/>
         <p:nvPr/>
       </p:nvGrpSpPr>
@@ -1705,7 +1705,7 @@
       </p:grpSpPr>
       <p:sp>
         <p:nvSpPr>
-          <p:cNvPr id="122" name="Google Shape;122;g3adba756cf9_0_63:notes"/>
+          <p:cNvPr id="125" name="Google Shape;125;g3adbc85ed7d_0_66:notes"/>
           <p:cNvSpPr/>
           <p:nvPr>
             <p:ph idx="2" type="sldImg"/>
@@ -1740,7 +1740,7 @@
       </p:sp>
       <p:sp>
         <p:nvSpPr>
-          <p:cNvPr id="123" name="Google Shape;123;g3adba756cf9_0_63:notes"/>
+          <p:cNvPr id="126" name="Google Shape;126;g3adbc85ed7d_0_66:notes"/>
           <p:cNvSpPr txBox="1"/>
           <p:nvPr>
             <p:ph idx="1" type="body"/>
@@ -6767,7 +6767,7 @@
   <p:cSld>
     <p:spTree>
       <p:nvGrpSpPr>
-        <p:cNvPr id="135" name="Shape 135"/>
+        <p:cNvPr id="138" name="Shape 138"/>
         <p:cNvGrpSpPr/>
         <p:nvPr/>
       </p:nvGrpSpPr>
@@ -6781,7 +6781,7 @@
       </p:grpSpPr>
       <p:sp>
         <p:nvSpPr>
-          <p:cNvPr id="136" name="Google Shape;136;p22"/>
+          <p:cNvPr id="139" name="Google Shape;139;p22"/>
           <p:cNvSpPr txBox="1"/>
           <p:nvPr>
             <p:ph type="title"/>
@@ -6824,7 +6824,7 @@
       </p:sp>
       <p:pic>
         <p:nvPicPr>
-          <p:cNvPr id="137" name="Google Shape;137;p22"/>
+          <p:cNvPr id="140" name="Google Shape;140;p22"/>
           <p:cNvPicPr preferRelativeResize="0"/>
           <p:nvPr/>
         </p:nvPicPr>
@@ -6852,7 +6852,7 @@
       </p:pic>
       <p:pic>
         <p:nvPicPr>
-          <p:cNvPr id="138" name="Google Shape;138;p22"/>
+          <p:cNvPr id="141" name="Google Shape;141;p22"/>
           <p:cNvPicPr preferRelativeResize="0"/>
           <p:nvPr/>
         </p:nvPicPr>
@@ -6891,7 +6891,7 @@
   <p:cSld>
     <p:spTree>
       <p:nvGrpSpPr>
-        <p:cNvPr id="142" name="Shape 142"/>
+        <p:cNvPr id="145" name="Shape 145"/>
         <p:cNvGrpSpPr/>
         <p:nvPr/>
       </p:nvGrpSpPr>
@@ -6905,7 +6905,7 @@
       </p:grpSpPr>
       <p:sp>
         <p:nvSpPr>
-          <p:cNvPr id="143" name="Google Shape;143;p23"/>
+          <p:cNvPr id="146" name="Google Shape;146;p23"/>
           <p:cNvSpPr txBox="1"/>
           <p:nvPr>
             <p:ph type="title"/>
@@ -6948,7 +6948,7 @@
       </p:sp>
       <p:sp>
         <p:nvSpPr>
-          <p:cNvPr id="144" name="Google Shape;144;p23"/>
+          <p:cNvPr id="147" name="Google Shape;147;p23"/>
           <p:cNvSpPr txBox="1"/>
           <p:nvPr/>
         </p:nvSpPr>
@@ -6998,7 +6998,7 @@
       </p:sp>
       <p:sp>
         <p:nvSpPr>
-          <p:cNvPr id="145" name="Google Shape;145;p23"/>
+          <p:cNvPr id="148" name="Google Shape;148;p23"/>
           <p:cNvSpPr txBox="1"/>
           <p:nvPr/>
         </p:nvSpPr>
@@ -7048,7 +7048,7 @@
       </p:sp>
       <p:pic>
         <p:nvPicPr>
-          <p:cNvPr id="146" name="Google Shape;146;p23"/>
+          <p:cNvPr id="149" name="Google Shape;149;p23"/>
           <p:cNvPicPr preferRelativeResize="0"/>
           <p:nvPr/>
         </p:nvPicPr>
@@ -9996,7 +9996,7 @@
         </p:nvSpPr>
         <p:spPr>
           <a:xfrm>
-            <a:off x="4572000" y="2159225"/>
+            <a:off x="2441850" y="4066825"/>
             <a:ext cx="4260300" cy="1309800"/>
           </a:xfrm>
           <a:prstGeom prst="rect">
@@ -10086,7 +10086,7 @@
         </p:blipFill>
         <p:spPr>
           <a:xfrm>
-            <a:off x="146775" y="1299975"/>
+            <a:off x="0" y="1038525"/>
             <a:ext cx="4597048" cy="3028299"/>
           </a:xfrm>
           <a:prstGeom prst="rect">
@@ -10098,6 +10098,140 @@
           </a:ln>
         </p:spPr>
       </p:pic>
+      <p:pic>
+        <p:nvPicPr>
+          <p:cNvPr id="121" name="Google Shape;121;p20"/>
+          <p:cNvPicPr preferRelativeResize="0"/>
+          <p:nvPr/>
+        </p:nvPicPr>
+        <p:blipFill>
+          <a:blip r:embed="rId4">
+            <a:alphaModFix/>
+          </a:blip>
+          <a:stretch>
+            <a:fillRect/>
+          </a:stretch>
+        </p:blipFill>
+        <p:spPr>
+          <a:xfrm>
+            <a:off x="4892075" y="1059175"/>
+            <a:ext cx="4149624" cy="2986975"/>
+          </a:xfrm>
+          <a:prstGeom prst="rect">
+            <a:avLst/>
+          </a:prstGeom>
+          <a:noFill/>
+          <a:ln>
+            <a:noFill/>
+          </a:ln>
+        </p:spPr>
+      </p:pic>
+      <p:sp>
+        <p:nvSpPr>
+          <p:cNvPr id="122" name="Google Shape;122;p20"/>
+          <p:cNvSpPr txBox="1"/>
+          <p:nvPr/>
+        </p:nvSpPr>
+        <p:spPr>
+          <a:xfrm>
+            <a:off x="1970775" y="572700"/>
+            <a:ext cx="655500" cy="554100"/>
+          </a:xfrm>
+          <a:prstGeom prst="rect">
+            <a:avLst/>
+          </a:prstGeom>
+          <a:noFill/>
+          <a:ln>
+            <a:noFill/>
+          </a:ln>
+        </p:spPr>
+        <p:txBody>
+          <a:bodyPr anchorCtr="0" anchor="t" bIns="91425" lIns="91425" spcFirstLastPara="1" rIns="91425" wrap="square" tIns="91425">
+            <a:spAutoFit/>
+          </a:bodyPr>
+          <a:lstStyle/>
+          <a:p>
+            <a:pPr indent="0" lvl="0" marL="0" rtl="0" algn="l">
+              <a:lnSpc>
+                <a:spcPct val="115000"/>
+              </a:lnSpc>
+              <a:spcBef>
+                <a:spcPts val="1200"/>
+              </a:spcBef>
+              <a:spcAft>
+                <a:spcPts val="1000"/>
+              </a:spcAft>
+              <a:buNone/>
+            </a:pPr>
+            <a:r>
+              <a:rPr b="1" i="1" lang="en" sz="2400">
+                <a:solidFill>
+                  <a:schemeClr val="dk1"/>
+                </a:solidFill>
+              </a:rPr>
+              <a:t>G′</a:t>
+            </a:r>
+            <a:endParaRPr b="1" sz="2600">
+              <a:solidFill>
+                <a:schemeClr val="dk2"/>
+              </a:solidFill>
+            </a:endParaRPr>
+          </a:p>
+        </p:txBody>
+      </p:sp>
+      <p:sp>
+        <p:nvSpPr>
+          <p:cNvPr id="123" name="Google Shape;123;p20"/>
+          <p:cNvSpPr txBox="1"/>
+          <p:nvPr/>
+        </p:nvSpPr>
+        <p:spPr>
+          <a:xfrm>
+            <a:off x="6738588" y="572700"/>
+            <a:ext cx="456600" cy="569400"/>
+          </a:xfrm>
+          <a:prstGeom prst="rect">
+            <a:avLst/>
+          </a:prstGeom>
+          <a:noFill/>
+          <a:ln>
+            <a:noFill/>
+          </a:ln>
+        </p:spPr>
+        <p:txBody>
+          <a:bodyPr anchorCtr="0" anchor="t" bIns="91425" lIns="91425" spcFirstLastPara="1" rIns="91425" wrap="square" tIns="91425">
+            <a:spAutoFit/>
+          </a:bodyPr>
+          <a:lstStyle/>
+          <a:p>
+            <a:pPr indent="0" lvl="0" marL="0" rtl="0" algn="l">
+              <a:lnSpc>
+                <a:spcPct val="115000"/>
+              </a:lnSpc>
+              <a:spcBef>
+                <a:spcPts val="1200"/>
+              </a:spcBef>
+              <a:spcAft>
+                <a:spcPts val="1000"/>
+              </a:spcAft>
+              <a:buNone/>
+            </a:pPr>
+            <a:r>
+              <a:rPr b="1" i="1" lang="en" sz="2500">
+                <a:solidFill>
+                  <a:schemeClr val="dk1"/>
+                </a:solidFill>
+              </a:rPr>
+              <a:t>G</a:t>
+            </a:r>
+            <a:endParaRPr b="1" sz="2700">
+              <a:solidFill>
+                <a:schemeClr val="dk2"/>
+              </a:solidFill>
+            </a:endParaRPr>
+          </a:p>
+        </p:txBody>
+      </p:sp>
     </p:spTree>
   </p:cSld>
   <p:clrMapOvr>
@@ -10111,7 +10245,7 @@
   <p:cSld>
     <p:spTree>
       <p:nvGrpSpPr>
-        <p:cNvPr id="124" name="Shape 124"/>
+        <p:cNvPr id="127" name="Shape 127"/>
         <p:cNvGrpSpPr/>
         <p:nvPr/>
       </p:nvGrpSpPr>
@@ -10125,7 +10259,7 @@
       </p:grpSpPr>
       <p:pic>
         <p:nvPicPr>
-          <p:cNvPr id="125" name="Google Shape;125;p21"/>
+          <p:cNvPr id="128" name="Google Shape;128;p21"/>
           <p:cNvPicPr preferRelativeResize="0"/>
           <p:nvPr/>
         </p:nvPicPr>
@@ -10153,7 +10287,7 @@
       </p:pic>
       <p:sp>
         <p:nvSpPr>
-          <p:cNvPr id="126" name="Google Shape;126;p21"/>
+          <p:cNvPr id="129" name="Google Shape;129;p21"/>
           <p:cNvSpPr txBox="1"/>
           <p:nvPr>
             <p:ph type="title"/>
@@ -10196,7 +10330,7 @@
       </p:sp>
       <p:sp>
         <p:nvSpPr>
-          <p:cNvPr id="127" name="Google Shape;127;p21"/>
+          <p:cNvPr id="130" name="Google Shape;130;p21"/>
           <p:cNvSpPr txBox="1"/>
           <p:nvPr/>
         </p:nvSpPr>
@@ -10253,7 +10387,7 @@
       </p:sp>
       <p:sp>
         <p:nvSpPr>
-          <p:cNvPr id="128" name="Google Shape;128;p21"/>
+          <p:cNvPr id="131" name="Google Shape;131;p21"/>
           <p:cNvSpPr txBox="1"/>
           <p:nvPr/>
         </p:nvSpPr>
@@ -10455,7 +10589,7 @@
       </p:sp>
       <p:sp>
         <p:nvSpPr>
-          <p:cNvPr id="129" name="Google Shape;129;p21"/>
+          <p:cNvPr id="132" name="Google Shape;132;p21"/>
           <p:cNvSpPr txBox="1"/>
           <p:nvPr/>
         </p:nvSpPr>
@@ -10679,7 +10813,7 @@
       </p:sp>
       <p:sp>
         <p:nvSpPr>
-          <p:cNvPr id="130" name="Google Shape;130;p21"/>
+          <p:cNvPr id="133" name="Google Shape;133;p21"/>
           <p:cNvSpPr txBox="1"/>
           <p:nvPr/>
         </p:nvSpPr>
@@ -10767,7 +10901,7 @@
       </p:sp>
       <p:sp>
         <p:nvSpPr>
-          <p:cNvPr id="131" name="Google Shape;131;p21"/>
+          <p:cNvPr id="134" name="Google Shape;134;p21"/>
           <p:cNvSpPr txBox="1"/>
           <p:nvPr/>
         </p:nvSpPr>
